--- a/docs/flowcharts.pptx
+++ b/docs/flowcharts.pptx
@@ -106,6 +106,11 @@
       </a:defRPr>
     </a:lvl9pPr>
   </p:defaultTextStyle>
+  <p:extLst>
+    <p:ext uri="{EFAFB233-063F-42B5-8137-9DF3F51BA10A}">
+      <p15:sldGuideLst xmlns:p15="http://schemas.microsoft.com/office/powerpoint/2012/main"/>
+    </p:ext>
+  </p:extLst>
 </p:presentation>
 </file>
 
@@ -1009,6 +1014,13 @@
     <dgm:pt modelId="{DFFAAFFF-7002-4B77-932E-5253ECB78894}" type="pres">
       <dgm:prSet presAssocID="{EB331833-B220-4980-A492-F8BE60718A8D}" presName="sibTrans" presStyleLbl="sibTrans2D1" presStyleIdx="0" presStyleCnt="2"/>
       <dgm:spPr/>
+      <dgm:t>
+        <a:bodyPr/>
+        <a:lstStyle/>
+        <a:p>
+          <a:endParaRPr lang="en-US"/>
+        </a:p>
+      </dgm:t>
     </dgm:pt>
     <dgm:pt modelId="{A976BC03-6CE7-471F-AE54-46EED773CD06}" type="pres">
       <dgm:prSet presAssocID="{EB331833-B220-4980-A492-F8BE60718A8D}" presName="spacerB" presStyleCnt="0"/>
@@ -1021,14 +1033,35 @@
         </dgm:presLayoutVars>
       </dgm:prSet>
       <dgm:spPr/>
+      <dgm:t>
+        <a:bodyPr/>
+        <a:lstStyle/>
+        <a:p>
+          <a:endParaRPr lang="en-US"/>
+        </a:p>
+      </dgm:t>
     </dgm:pt>
     <dgm:pt modelId="{721A690C-1924-440D-9E58-116421A4FF68}" type="pres">
       <dgm:prSet presAssocID="{A6C1D77E-4D6C-4FEB-ADC1-272891D6D9E5}" presName="sibTransLast" presStyleLbl="sibTrans2D1" presStyleIdx="1" presStyleCnt="2"/>
       <dgm:spPr/>
+      <dgm:t>
+        <a:bodyPr/>
+        <a:lstStyle/>
+        <a:p>
+          <a:endParaRPr lang="en-US"/>
+        </a:p>
+      </dgm:t>
     </dgm:pt>
     <dgm:pt modelId="{9B39D8CE-22ED-4EB3-96A6-49DA5AA69030}" type="pres">
       <dgm:prSet presAssocID="{A6C1D77E-4D6C-4FEB-ADC1-272891D6D9E5}" presName="connectorText" presStyleLbl="sibTrans2D1" presStyleIdx="1" presStyleCnt="2"/>
       <dgm:spPr/>
+      <dgm:t>
+        <a:bodyPr/>
+        <a:lstStyle/>
+        <a:p>
+          <a:endParaRPr lang="en-US"/>
+        </a:p>
+      </dgm:t>
     </dgm:pt>
     <dgm:pt modelId="{46641124-79FC-4835-A958-8CEFC44FFFEA}" type="pres">
       <dgm:prSet presAssocID="{A6C1D77E-4D6C-4FEB-ADC1-272891D6D9E5}" presName="lastNode" presStyleLbl="node1" presStyleIdx="2" presStyleCnt="3">
@@ -1047,16 +1080,16 @@
     </dgm:pt>
   </dgm:ptLst>
   <dgm:cxnLst>
+    <dgm:cxn modelId="{DCF68C99-AB56-4DE7-B26A-95F8A3CDEB2C}" srcId="{A6C1D77E-4D6C-4FEB-ADC1-272891D6D9E5}" destId="{E938E3B9-7C82-4B2F-89B2-2D2FC976436E}" srcOrd="1" destOrd="0" parTransId="{774AE899-0B32-4B13-B34E-0B2BBA630114}" sibTransId="{3E4619BE-7882-4748-AB67-1AEB45FB013D}"/>
+    <dgm:cxn modelId="{E9AA60DC-2C80-4FCD-A5B7-BC47E077214A}" type="presOf" srcId="{EB331833-B220-4980-A492-F8BE60718A8D}" destId="{DFFAAFFF-7002-4B77-932E-5253ECB78894}" srcOrd="0" destOrd="0" presId="urn:microsoft.com/office/officeart/2005/8/layout/equation2"/>
     <dgm:cxn modelId="{664E0E71-6C39-4B63-B57F-2E5FC89FD031}" type="presOf" srcId="{18D48FCB-F9E1-4512-9CB4-2611B95036B8}" destId="{46641124-79FC-4835-A958-8CEFC44FFFEA}" srcOrd="0" destOrd="0" presId="urn:microsoft.com/office/officeart/2005/8/layout/equation2"/>
+    <dgm:cxn modelId="{CB3AD191-D21B-4D59-BEFF-4A94383E5B86}" type="presOf" srcId="{A6C1D77E-4D6C-4FEB-ADC1-272891D6D9E5}" destId="{D7E5B5E6-5CDC-430A-B6AE-8B438D0AA05B}" srcOrd="0" destOrd="0" presId="urn:microsoft.com/office/officeart/2005/8/layout/equation2"/>
+    <dgm:cxn modelId="{8AB0AA44-9E5B-41BF-A748-DAA2319437DF}" srcId="{A6C1D77E-4D6C-4FEB-ADC1-272891D6D9E5}" destId="{708BD300-31A9-483F-B8D6-BA095916F2AD}" srcOrd="0" destOrd="0" parTransId="{1FB2F5B4-BF3E-4261-A510-4C273D4D3FC6}" sibTransId="{EB331833-B220-4980-A492-F8BE60718A8D}"/>
+    <dgm:cxn modelId="{C4B591DB-6D21-48C1-86C9-CE9DF79FBBDF}" srcId="{A6C1D77E-4D6C-4FEB-ADC1-272891D6D9E5}" destId="{18D48FCB-F9E1-4512-9CB4-2611B95036B8}" srcOrd="2" destOrd="0" parTransId="{3E1F463F-9922-486F-BF23-B63B74758FF9}" sibTransId="{8BCCE4D3-586E-44FE-A32C-6C534524E0BA}"/>
+    <dgm:cxn modelId="{18B1809F-434C-4E82-BE53-0BE5615E4F2A}" type="presOf" srcId="{3E4619BE-7882-4748-AB67-1AEB45FB013D}" destId="{9B39D8CE-22ED-4EB3-96A6-49DA5AA69030}" srcOrd="1" destOrd="0" presId="urn:microsoft.com/office/officeart/2005/8/layout/equation2"/>
+    <dgm:cxn modelId="{0FB006F0-6F83-4365-B77A-DFDF79B815D2}" type="presOf" srcId="{3E4619BE-7882-4748-AB67-1AEB45FB013D}" destId="{721A690C-1924-440D-9E58-116421A4FF68}" srcOrd="0" destOrd="0" presId="urn:microsoft.com/office/officeart/2005/8/layout/equation2"/>
+    <dgm:cxn modelId="{DE180FF3-1CDE-4C55-A8A7-79A16896EEDA}" type="presOf" srcId="{E938E3B9-7C82-4B2F-89B2-2D2FC976436E}" destId="{43B7793E-5C13-433F-BF64-3DE55BE8299E}" srcOrd="0" destOrd="0" presId="urn:microsoft.com/office/officeart/2005/8/layout/equation2"/>
     <dgm:cxn modelId="{B2AC2474-C96F-4E11-96B2-FD0EBD8658F5}" type="presOf" srcId="{708BD300-31A9-483F-B8D6-BA095916F2AD}" destId="{0C94B89C-175E-4A02-8A9D-BBE0859AFD6A}" srcOrd="0" destOrd="0" presId="urn:microsoft.com/office/officeart/2005/8/layout/equation2"/>
-    <dgm:cxn modelId="{8AB0AA44-9E5B-41BF-A748-DAA2319437DF}" srcId="{A6C1D77E-4D6C-4FEB-ADC1-272891D6D9E5}" destId="{708BD300-31A9-483F-B8D6-BA095916F2AD}" srcOrd="0" destOrd="0" parTransId="{1FB2F5B4-BF3E-4261-A510-4C273D4D3FC6}" sibTransId="{EB331833-B220-4980-A492-F8BE60718A8D}"/>
-    <dgm:cxn modelId="{18B1809F-434C-4E82-BE53-0BE5615E4F2A}" type="presOf" srcId="{3E4619BE-7882-4748-AB67-1AEB45FB013D}" destId="{9B39D8CE-22ED-4EB3-96A6-49DA5AA69030}" srcOrd="1" destOrd="0" presId="urn:microsoft.com/office/officeart/2005/8/layout/equation2"/>
-    <dgm:cxn modelId="{E9AA60DC-2C80-4FCD-A5B7-BC47E077214A}" type="presOf" srcId="{EB331833-B220-4980-A492-F8BE60718A8D}" destId="{DFFAAFFF-7002-4B77-932E-5253ECB78894}" srcOrd="0" destOrd="0" presId="urn:microsoft.com/office/officeart/2005/8/layout/equation2"/>
-    <dgm:cxn modelId="{C4B591DB-6D21-48C1-86C9-CE9DF79FBBDF}" srcId="{A6C1D77E-4D6C-4FEB-ADC1-272891D6D9E5}" destId="{18D48FCB-F9E1-4512-9CB4-2611B95036B8}" srcOrd="2" destOrd="0" parTransId="{3E1F463F-9922-486F-BF23-B63B74758FF9}" sibTransId="{8BCCE4D3-586E-44FE-A32C-6C534524E0BA}"/>
-    <dgm:cxn modelId="{DCF68C99-AB56-4DE7-B26A-95F8A3CDEB2C}" srcId="{A6C1D77E-4D6C-4FEB-ADC1-272891D6D9E5}" destId="{E938E3B9-7C82-4B2F-89B2-2D2FC976436E}" srcOrd="1" destOrd="0" parTransId="{774AE899-0B32-4B13-B34E-0B2BBA630114}" sibTransId="{3E4619BE-7882-4748-AB67-1AEB45FB013D}"/>
-    <dgm:cxn modelId="{DE180FF3-1CDE-4C55-A8A7-79A16896EEDA}" type="presOf" srcId="{E938E3B9-7C82-4B2F-89B2-2D2FC976436E}" destId="{43B7793E-5C13-433F-BF64-3DE55BE8299E}" srcOrd="0" destOrd="0" presId="urn:microsoft.com/office/officeart/2005/8/layout/equation2"/>
-    <dgm:cxn modelId="{CB3AD191-D21B-4D59-BEFF-4A94383E5B86}" type="presOf" srcId="{A6C1D77E-4D6C-4FEB-ADC1-272891D6D9E5}" destId="{D7E5B5E6-5CDC-430A-B6AE-8B438D0AA05B}" srcOrd="0" destOrd="0" presId="urn:microsoft.com/office/officeart/2005/8/layout/equation2"/>
-    <dgm:cxn modelId="{0FB006F0-6F83-4365-B77A-DFDF79B815D2}" type="presOf" srcId="{3E4619BE-7882-4748-AB67-1AEB45FB013D}" destId="{721A690C-1924-440D-9E58-116421A4FF68}" srcOrd="0" destOrd="0" presId="urn:microsoft.com/office/officeart/2005/8/layout/equation2"/>
     <dgm:cxn modelId="{64F68755-F521-45BE-B445-1273823822FD}" type="presParOf" srcId="{D7E5B5E6-5CDC-430A-B6AE-8B438D0AA05B}" destId="{4FFC6371-CCE8-409D-8736-95703BEC63F1}" srcOrd="0" destOrd="0" presId="urn:microsoft.com/office/officeart/2005/8/layout/equation2"/>
     <dgm:cxn modelId="{61ACA496-B842-4FCB-9381-4C9C40D754D3}" type="presParOf" srcId="{4FFC6371-CCE8-409D-8736-95703BEC63F1}" destId="{0C94B89C-175E-4A02-8A9D-BBE0859AFD6A}" srcOrd="0" destOrd="0" presId="urn:microsoft.com/office/officeart/2005/8/layout/equation2"/>
     <dgm:cxn modelId="{BED84B33-E830-4D2A-8405-10570E84BBB3}" type="presParOf" srcId="{4FFC6371-CCE8-409D-8736-95703BEC63F1}" destId="{536BAF7F-DB48-4832-BF6B-9FE8938CB450}" srcOrd="1" destOrd="0" presId="urn:microsoft.com/office/officeart/2005/8/layout/equation2"/>
@@ -1071,7 +1104,7 @@
   <dgm:whole/>
   <dgm:extLst>
     <a:ext uri="http://schemas.microsoft.com/office/drawing/2008/diagram">
-      <dsp:dataModelExt xmlns:dsp="http://schemas.microsoft.com/office/drawing/2008/diagram" relId="rId10" minVer="http://schemas.openxmlformats.org/drawingml/2006/diagram"/>
+      <dsp:dataModelExt xmlns:dsp="http://schemas.microsoft.com/office/drawing/2008/diagram" relId="rId9" minVer="http://schemas.openxmlformats.org/drawingml/2006/diagram"/>
     </a:ext>
   </dgm:extLst>
 </dgm:dataModel>
@@ -2888,7 +2921,7 @@
           <a:p>
             <a:fld id="{1EC39A2D-54DA-4D10-A91D-AAC81400D309}" type="datetimeFigureOut">
               <a:rPr lang="en-US" smtClean="0"/>
-              <a:t>7/31/2014</a:t>
+              <a:t>8/1/2014</a:t>
             </a:fld>
             <a:endParaRPr lang="en-US"/>
           </a:p>
@@ -3058,7 +3091,7 @@
           <a:p>
             <a:fld id="{1EC39A2D-54DA-4D10-A91D-AAC81400D309}" type="datetimeFigureOut">
               <a:rPr lang="en-US" smtClean="0"/>
-              <a:t>7/31/2014</a:t>
+              <a:t>8/1/2014</a:t>
             </a:fld>
             <a:endParaRPr lang="en-US"/>
           </a:p>
@@ -3238,7 +3271,7 @@
           <a:p>
             <a:fld id="{1EC39A2D-54DA-4D10-A91D-AAC81400D309}" type="datetimeFigureOut">
               <a:rPr lang="en-US" smtClean="0"/>
-              <a:t>7/31/2014</a:t>
+              <a:t>8/1/2014</a:t>
             </a:fld>
             <a:endParaRPr lang="en-US"/>
           </a:p>
@@ -3408,7 +3441,7 @@
           <a:p>
             <a:fld id="{1EC39A2D-54DA-4D10-A91D-AAC81400D309}" type="datetimeFigureOut">
               <a:rPr lang="en-US" smtClean="0"/>
-              <a:t>7/31/2014</a:t>
+              <a:t>8/1/2014</a:t>
             </a:fld>
             <a:endParaRPr lang="en-US"/>
           </a:p>
@@ -3654,7 +3687,7 @@
           <a:p>
             <a:fld id="{1EC39A2D-54DA-4D10-A91D-AAC81400D309}" type="datetimeFigureOut">
               <a:rPr lang="en-US" smtClean="0"/>
-              <a:t>7/31/2014</a:t>
+              <a:t>8/1/2014</a:t>
             </a:fld>
             <a:endParaRPr lang="en-US"/>
           </a:p>
@@ -3886,7 +3919,7 @@
           <a:p>
             <a:fld id="{1EC39A2D-54DA-4D10-A91D-AAC81400D309}" type="datetimeFigureOut">
               <a:rPr lang="en-US" smtClean="0"/>
-              <a:t>7/31/2014</a:t>
+              <a:t>8/1/2014</a:t>
             </a:fld>
             <a:endParaRPr lang="en-US"/>
           </a:p>
@@ -4253,7 +4286,7 @@
           <a:p>
             <a:fld id="{1EC39A2D-54DA-4D10-A91D-AAC81400D309}" type="datetimeFigureOut">
               <a:rPr lang="en-US" smtClean="0"/>
-              <a:t>7/31/2014</a:t>
+              <a:t>8/1/2014</a:t>
             </a:fld>
             <a:endParaRPr lang="en-US"/>
           </a:p>
@@ -4371,7 +4404,7 @@
           <a:p>
             <a:fld id="{1EC39A2D-54DA-4D10-A91D-AAC81400D309}" type="datetimeFigureOut">
               <a:rPr lang="en-US" smtClean="0"/>
-              <a:t>7/31/2014</a:t>
+              <a:t>8/1/2014</a:t>
             </a:fld>
             <a:endParaRPr lang="en-US"/>
           </a:p>
@@ -4466,7 +4499,7 @@
           <a:p>
             <a:fld id="{1EC39A2D-54DA-4D10-A91D-AAC81400D309}" type="datetimeFigureOut">
               <a:rPr lang="en-US" smtClean="0"/>
-              <a:t>7/31/2014</a:t>
+              <a:t>8/1/2014</a:t>
             </a:fld>
             <a:endParaRPr lang="en-US"/>
           </a:p>
@@ -4743,7 +4776,7 @@
           <a:p>
             <a:fld id="{1EC39A2D-54DA-4D10-A91D-AAC81400D309}" type="datetimeFigureOut">
               <a:rPr lang="en-US" smtClean="0"/>
-              <a:t>7/31/2014</a:t>
+              <a:t>8/1/2014</a:t>
             </a:fld>
             <a:endParaRPr lang="en-US"/>
           </a:p>
@@ -4996,7 +5029,7 @@
           <a:p>
             <a:fld id="{1EC39A2D-54DA-4D10-A91D-AAC81400D309}" type="datetimeFigureOut">
               <a:rPr lang="en-US" smtClean="0"/>
-              <a:t>7/31/2014</a:t>
+              <a:t>8/1/2014</a:t>
             </a:fld>
             <a:endParaRPr lang="en-US"/>
           </a:p>
@@ -5209,7 +5242,7 @@
           <a:p>
             <a:fld id="{1EC39A2D-54DA-4D10-A91D-AAC81400D309}" type="datetimeFigureOut">
               <a:rPr lang="en-US" smtClean="0"/>
-              <a:t>7/31/2014</a:t>
+              <a:t>8/1/2014</a:t>
             </a:fld>
             <a:endParaRPr lang="en-US"/>
           </a:p>
@@ -5640,213 +5673,97 @@
       </p:sp>
       <p:grpSp>
         <p:nvGrpSpPr>
-          <p:cNvPr id="28" name="Group 27"/>
+          <p:cNvPr id="3" name="Group 2"/>
           <p:cNvGrpSpPr/>
           <p:nvPr/>
         </p:nvGrpSpPr>
         <p:grpSpPr>
           <a:xfrm>
-            <a:off x="2116349" y="3619359"/>
-            <a:ext cx="12821198" cy="1255651"/>
-            <a:chOff x="286429" y="3494557"/>
-            <a:chExt cx="12821198" cy="1255651"/>
-          </a:xfrm>
-        </p:grpSpPr>
-        <p:pic>
-          <p:nvPicPr>
-            <p:cNvPr id="26" name="Picture 25"/>
-            <p:cNvPicPr>
-              <a:picLocks noChangeAspect="1"/>
-            </p:cNvPicPr>
-            <p:nvPr/>
-          </p:nvPicPr>
-          <p:blipFill>
-            <a:blip r:embed="rId2"/>
-            <a:stretch>
-              <a:fillRect/>
-            </a:stretch>
-          </p:blipFill>
-          <p:spPr>
-            <a:xfrm>
-              <a:off x="286429" y="3494557"/>
-              <a:ext cx="12821198" cy="803937"/>
-            </a:xfrm>
-            <a:prstGeom prst="rect">
-              <a:avLst/>
-            </a:prstGeom>
-          </p:spPr>
-        </p:pic>
-        <p:sp>
-          <p:nvSpPr>
-            <p:cNvPr id="27" name="TextBox 26"/>
-            <p:cNvSpPr txBox="1"/>
-            <p:nvPr/>
-          </p:nvSpPr>
-          <p:spPr>
-            <a:xfrm>
-              <a:off x="5863562" y="4103877"/>
-              <a:ext cx="1666931" cy="646331"/>
-            </a:xfrm>
-            <a:prstGeom prst="rect">
-              <a:avLst/>
-            </a:prstGeom>
-            <a:noFill/>
-          </p:spPr>
-          <p:txBody>
-            <a:bodyPr wrap="square" rtlCol="0">
-              <a:spAutoFit/>
-            </a:bodyPr>
-            <a:lstStyle/>
-            <a:p>
-              <a:pPr algn="ctr"/>
-              <a:r>
-                <a:rPr lang="en-US" dirty="0" smtClean="0"/>
-                <a:t>3D Covariance Matrix</a:t>
-              </a:r>
-              <a:endParaRPr lang="en-US" dirty="0"/>
-            </a:p>
-          </p:txBody>
-        </p:sp>
-      </p:grpSp>
-      <p:grpSp>
-        <p:nvGrpSpPr>
-          <p:cNvPr id="7" name="Group 6"/>
-          <p:cNvGrpSpPr/>
-          <p:nvPr/>
-        </p:nvGrpSpPr>
-        <p:grpSpPr>
-          <a:xfrm>
-            <a:off x="9793275" y="3829773"/>
-            <a:ext cx="327494" cy="383106"/>
-            <a:chOff x="1450338" y="1221610"/>
-            <a:chExt cx="327494" cy="383106"/>
-          </a:xfrm>
-        </p:grpSpPr>
-        <p:sp>
-          <p:nvSpPr>
-            <p:cNvPr id="20" name="Right Arrow 19"/>
-            <p:cNvSpPr/>
-            <p:nvPr/>
-          </p:nvSpPr>
-          <p:spPr>
-            <a:xfrm>
-              <a:off x="1450338" y="1221610"/>
-              <a:ext cx="327494" cy="383106"/>
-            </a:xfrm>
-            <a:prstGeom prst="rightArrow">
-              <a:avLst>
-                <a:gd name="adj1" fmla="val 60000"/>
-                <a:gd name="adj2" fmla="val 50000"/>
-              </a:avLst>
-            </a:prstGeom>
-          </p:spPr>
-          <p:style>
-            <a:lnRef idx="0">
-              <a:schemeClr val="accent1">
-                <a:tint val="60000"/>
-                <a:hueOff val="0"/>
-                <a:satOff val="0"/>
-                <a:lumOff val="0"/>
-                <a:alphaOff val="0"/>
-              </a:schemeClr>
-            </a:lnRef>
-            <a:fillRef idx="1">
-              <a:schemeClr val="accent1">
-                <a:tint val="60000"/>
-                <a:hueOff val="0"/>
-                <a:satOff val="0"/>
-                <a:lumOff val="0"/>
-                <a:alphaOff val="0"/>
-              </a:schemeClr>
-            </a:fillRef>
-            <a:effectRef idx="0">
-              <a:schemeClr val="accent1">
-                <a:tint val="60000"/>
-                <a:hueOff val="0"/>
-                <a:satOff val="0"/>
-                <a:lumOff val="0"/>
-                <a:alphaOff val="0"/>
-              </a:schemeClr>
-            </a:effectRef>
-            <a:fontRef idx="minor">
-              <a:schemeClr val="lt1"/>
-            </a:fontRef>
-          </p:style>
-        </p:sp>
-        <p:sp>
-          <p:nvSpPr>
-            <p:cNvPr id="21" name="Right Arrow 4"/>
-            <p:cNvSpPr/>
-            <p:nvPr/>
-          </p:nvSpPr>
-          <p:spPr>
-            <a:xfrm>
-              <a:off x="1450338" y="1298231"/>
-              <a:ext cx="229246" cy="229864"/>
-            </a:xfrm>
-            <a:prstGeom prst="rect">
-              <a:avLst/>
-            </a:prstGeom>
-          </p:spPr>
-          <p:style>
-            <a:lnRef idx="0">
-              <a:scrgbClr r="0" g="0" b="0"/>
-            </a:lnRef>
-            <a:fillRef idx="0">
-              <a:scrgbClr r="0" g="0" b="0"/>
-            </a:fillRef>
-            <a:effectRef idx="0">
-              <a:scrgbClr r="0" g="0" b="0"/>
-            </a:effectRef>
-            <a:fontRef idx="minor">
-              <a:schemeClr val="lt1"/>
-            </a:fontRef>
-          </p:style>
-          <p:txBody>
-            <a:bodyPr spcFirstLastPara="0" vert="horz" wrap="square" lIns="0" tIns="0" rIns="0" bIns="0" numCol="1" spcCol="1270" anchor="ctr" anchorCtr="0">
-              <a:noAutofit/>
-            </a:bodyPr>
-            <a:lstStyle/>
-            <a:p>
-              <a:pPr lvl="0" algn="ctr" defTabSz="488950">
-                <a:lnSpc>
-                  <a:spcPct val="90000"/>
-                </a:lnSpc>
-                <a:spcBef>
-                  <a:spcPct val="0"/>
-                </a:spcBef>
-                <a:spcAft>
-                  <a:spcPct val="35000"/>
-                </a:spcAft>
-              </a:pPr>
-              <a:endParaRPr lang="en-US" sz="1100" kern="1200" dirty="0"/>
-            </a:p>
-          </p:txBody>
-        </p:sp>
-      </p:grpSp>
-      <p:grpSp>
-        <p:nvGrpSpPr>
-          <p:cNvPr id="29" name="Group 28"/>
-          <p:cNvGrpSpPr/>
-          <p:nvPr/>
-        </p:nvGrpSpPr>
-        <p:grpSpPr>
-          <a:xfrm>
-            <a:off x="5081805" y="3358985"/>
-            <a:ext cx="2265595" cy="1324683"/>
-            <a:chOff x="7937876" y="3460041"/>
-            <a:chExt cx="2265595" cy="1324683"/>
+            <a:off x="-2543938" y="3358985"/>
+            <a:ext cx="17481485" cy="1931460"/>
+            <a:chOff x="-2543938" y="3358985"/>
+            <a:chExt cx="17481485" cy="1931460"/>
           </a:xfrm>
         </p:grpSpPr>
         <p:grpSp>
           <p:nvGrpSpPr>
-            <p:cNvPr id="8" name="Group 7"/>
+            <p:cNvPr id="28" name="Group 27"/>
             <p:cNvGrpSpPr/>
             <p:nvPr/>
           </p:nvGrpSpPr>
           <p:grpSpPr>
             <a:xfrm>
-              <a:off x="7937876" y="3958466"/>
+              <a:off x="2116349" y="3619359"/>
+              <a:ext cx="12821198" cy="1255651"/>
+              <a:chOff x="286429" y="3494557"/>
+              <a:chExt cx="12821198" cy="1255651"/>
+            </a:xfrm>
+          </p:grpSpPr>
+          <p:pic>
+            <p:nvPicPr>
+              <p:cNvPr id="26" name="Picture 25"/>
+              <p:cNvPicPr>
+                <a:picLocks noChangeAspect="1"/>
+              </p:cNvPicPr>
+              <p:nvPr/>
+            </p:nvPicPr>
+            <p:blipFill>
+              <a:blip r:embed="rId2"/>
+              <a:stretch>
+                <a:fillRect/>
+              </a:stretch>
+            </p:blipFill>
+            <p:spPr>
+              <a:xfrm>
+                <a:off x="286429" y="3494557"/>
+                <a:ext cx="12821198" cy="803937"/>
+              </a:xfrm>
+              <a:prstGeom prst="rect">
+                <a:avLst/>
+              </a:prstGeom>
+            </p:spPr>
+          </p:pic>
+          <p:sp>
+            <p:nvSpPr>
+              <p:cNvPr id="27" name="TextBox 26"/>
+              <p:cNvSpPr txBox="1"/>
+              <p:nvPr/>
+            </p:nvSpPr>
+            <p:spPr>
+              <a:xfrm>
+                <a:off x="5863562" y="4103877"/>
+                <a:ext cx="1666931" cy="646331"/>
+              </a:xfrm>
+              <a:prstGeom prst="rect">
+                <a:avLst/>
+              </a:prstGeom>
+              <a:noFill/>
+            </p:spPr>
+            <p:txBody>
+              <a:bodyPr wrap="square" rtlCol="0">
+                <a:spAutoFit/>
+              </a:bodyPr>
+              <a:lstStyle/>
+              <a:p>
+                <a:pPr algn="ctr"/>
+                <a:r>
+                  <a:rPr lang="en-US" dirty="0" smtClean="0"/>
+                  <a:t>3D Covariance Matrix</a:t>
+                </a:r>
+                <a:endParaRPr lang="en-US" dirty="0"/>
+              </a:p>
+            </p:txBody>
+          </p:sp>
+        </p:grpSp>
+        <p:grpSp>
+          <p:nvGrpSpPr>
+            <p:cNvPr id="7" name="Group 6"/>
+            <p:cNvGrpSpPr/>
+            <p:nvPr/>
+          </p:nvGrpSpPr>
+          <p:grpSpPr>
+            <a:xfrm>
+              <a:off x="9793275" y="3829773"/>
               <a:ext cx="327494" cy="383106"/>
               <a:chOff x="1450338" y="1221610"/>
               <a:chExt cx="327494" cy="383106"/>
@@ -5854,7 +5771,7 @@
           </p:grpSpPr>
           <p:sp>
             <p:nvSpPr>
-              <p:cNvPr id="18" name="Right Arrow 17"/>
+              <p:cNvPr id="20" name="Right Arrow 19"/>
               <p:cNvSpPr/>
               <p:nvPr/>
             </p:nvSpPr>
@@ -5905,7 +5822,7 @@
           </p:sp>
           <p:sp>
             <p:nvSpPr>
-              <p:cNvPr id="19" name="Right Arrow 4"/>
+              <p:cNvPr id="21" name="Right Arrow 4"/>
               <p:cNvSpPr/>
               <p:nvPr/>
             </p:nvSpPr>
@@ -5956,75 +5873,639 @@
         </p:grpSp>
         <p:grpSp>
           <p:nvGrpSpPr>
-            <p:cNvPr id="9" name="Group 8"/>
-            <p:cNvGrpSpPr>
-              <a:grpSpLocks noChangeAspect="1"/>
-            </p:cNvGrpSpPr>
+            <p:cNvPr id="29" name="Group 28"/>
+            <p:cNvGrpSpPr/>
             <p:nvPr/>
           </p:nvGrpSpPr>
           <p:grpSpPr>
             <a:xfrm>
-              <a:off x="8359208" y="3460041"/>
-              <a:ext cx="1324683" cy="1324683"/>
-              <a:chOff x="1913774" y="383307"/>
-              <a:chExt cx="2059713" cy="2059713"/>
+              <a:off x="5081805" y="3358985"/>
+              <a:ext cx="2265595" cy="1324683"/>
+              <a:chOff x="7937876" y="3460041"/>
+              <a:chExt cx="2265595" cy="1324683"/>
             </a:xfrm>
           </p:grpSpPr>
+          <p:grpSp>
+            <p:nvGrpSpPr>
+              <p:cNvPr id="8" name="Group 7"/>
+              <p:cNvGrpSpPr/>
+              <p:nvPr/>
+            </p:nvGrpSpPr>
+            <p:grpSpPr>
+              <a:xfrm>
+                <a:off x="7937876" y="3958466"/>
+                <a:ext cx="327494" cy="383106"/>
+                <a:chOff x="1450338" y="1221610"/>
+                <a:chExt cx="327494" cy="383106"/>
+              </a:xfrm>
+            </p:grpSpPr>
+            <p:sp>
+              <p:nvSpPr>
+                <p:cNvPr id="18" name="Right Arrow 17"/>
+                <p:cNvSpPr/>
+                <p:nvPr/>
+              </p:nvSpPr>
+              <p:spPr>
+                <a:xfrm>
+                  <a:off x="1450338" y="1221610"/>
+                  <a:ext cx="327494" cy="383106"/>
+                </a:xfrm>
+                <a:prstGeom prst="rightArrow">
+                  <a:avLst>
+                    <a:gd name="adj1" fmla="val 60000"/>
+                    <a:gd name="adj2" fmla="val 50000"/>
+                  </a:avLst>
+                </a:prstGeom>
+              </p:spPr>
+              <p:style>
+                <a:lnRef idx="0">
+                  <a:schemeClr val="accent1">
+                    <a:tint val="60000"/>
+                    <a:hueOff val="0"/>
+                    <a:satOff val="0"/>
+                    <a:lumOff val="0"/>
+                    <a:alphaOff val="0"/>
+                  </a:schemeClr>
+                </a:lnRef>
+                <a:fillRef idx="1">
+                  <a:schemeClr val="accent1">
+                    <a:tint val="60000"/>
+                    <a:hueOff val="0"/>
+                    <a:satOff val="0"/>
+                    <a:lumOff val="0"/>
+                    <a:alphaOff val="0"/>
+                  </a:schemeClr>
+                </a:fillRef>
+                <a:effectRef idx="0">
+                  <a:schemeClr val="accent1">
+                    <a:tint val="60000"/>
+                    <a:hueOff val="0"/>
+                    <a:satOff val="0"/>
+                    <a:lumOff val="0"/>
+                    <a:alphaOff val="0"/>
+                  </a:schemeClr>
+                </a:effectRef>
+                <a:fontRef idx="minor">
+                  <a:schemeClr val="lt1"/>
+                </a:fontRef>
+              </p:style>
+            </p:sp>
+            <p:sp>
+              <p:nvSpPr>
+                <p:cNvPr id="19" name="Right Arrow 4"/>
+                <p:cNvSpPr/>
+                <p:nvPr/>
+              </p:nvSpPr>
+              <p:spPr>
+                <a:xfrm>
+                  <a:off x="1450338" y="1298231"/>
+                  <a:ext cx="229246" cy="229864"/>
+                </a:xfrm>
+                <a:prstGeom prst="rect">
+                  <a:avLst/>
+                </a:prstGeom>
+              </p:spPr>
+              <p:style>
+                <a:lnRef idx="0">
+                  <a:scrgbClr r="0" g="0" b="0"/>
+                </a:lnRef>
+                <a:fillRef idx="0">
+                  <a:scrgbClr r="0" g="0" b="0"/>
+                </a:fillRef>
+                <a:effectRef idx="0">
+                  <a:scrgbClr r="0" g="0" b="0"/>
+                </a:effectRef>
+                <a:fontRef idx="minor">
+                  <a:schemeClr val="lt1"/>
+                </a:fontRef>
+              </p:style>
+              <p:txBody>
+                <a:bodyPr spcFirstLastPara="0" vert="horz" wrap="square" lIns="0" tIns="0" rIns="0" bIns="0" numCol="1" spcCol="1270" anchor="ctr" anchorCtr="0">
+                  <a:noAutofit/>
+                </a:bodyPr>
+                <a:lstStyle/>
+                <a:p>
+                  <a:pPr lvl="0" algn="ctr" defTabSz="488950">
+                    <a:lnSpc>
+                      <a:spcPct val="90000"/>
+                    </a:lnSpc>
+                    <a:spcBef>
+                      <a:spcPct val="0"/>
+                    </a:spcBef>
+                    <a:spcAft>
+                      <a:spcPct val="35000"/>
+                    </a:spcAft>
+                  </a:pPr>
+                  <a:endParaRPr lang="en-US" sz="1100" kern="1200" dirty="0"/>
+                </a:p>
+              </p:txBody>
+            </p:sp>
+          </p:grpSp>
+          <p:grpSp>
+            <p:nvGrpSpPr>
+              <p:cNvPr id="9" name="Group 8"/>
+              <p:cNvGrpSpPr>
+                <a:grpSpLocks noChangeAspect="1"/>
+              </p:cNvGrpSpPr>
+              <p:nvPr/>
+            </p:nvGrpSpPr>
+            <p:grpSpPr>
+              <a:xfrm>
+                <a:off x="8359208" y="3460041"/>
+                <a:ext cx="1324683" cy="1324683"/>
+                <a:chOff x="1913774" y="383307"/>
+                <a:chExt cx="2059713" cy="2059713"/>
+              </a:xfrm>
+            </p:grpSpPr>
+            <p:sp>
+              <p:nvSpPr>
+                <p:cNvPr id="16" name="Oval 15"/>
+                <p:cNvSpPr/>
+                <p:nvPr/>
+              </p:nvSpPr>
+              <p:spPr>
+                <a:xfrm>
+                  <a:off x="1913774" y="383307"/>
+                  <a:ext cx="2059713" cy="2059713"/>
+                </a:xfrm>
+                <a:prstGeom prst="ellipse">
+                  <a:avLst/>
+                </a:prstGeom>
+              </p:spPr>
+              <p:style>
+                <a:lnRef idx="2">
+                  <a:schemeClr val="lt1">
+                    <a:hueOff val="0"/>
+                    <a:satOff val="0"/>
+                    <a:lumOff val="0"/>
+                    <a:alphaOff val="0"/>
+                  </a:schemeClr>
+                </a:lnRef>
+                <a:fillRef idx="1">
+                  <a:schemeClr val="accent1">
+                    <a:hueOff val="0"/>
+                    <a:satOff val="0"/>
+                    <a:lumOff val="0"/>
+                    <a:alphaOff val="0"/>
+                  </a:schemeClr>
+                </a:fillRef>
+                <a:effectRef idx="0">
+                  <a:schemeClr val="accent1">
+                    <a:hueOff val="0"/>
+                    <a:satOff val="0"/>
+                    <a:lumOff val="0"/>
+                    <a:alphaOff val="0"/>
+                  </a:schemeClr>
+                </a:effectRef>
+                <a:fontRef idx="minor">
+                  <a:schemeClr val="lt1"/>
+                </a:fontRef>
+              </p:style>
+            </p:sp>
+            <p:sp>
+              <p:nvSpPr>
+                <p:cNvPr id="17" name="Oval 4"/>
+                <p:cNvSpPr/>
+                <p:nvPr/>
+              </p:nvSpPr>
+              <p:spPr>
+                <a:xfrm>
+                  <a:off x="2215412" y="684945"/>
+                  <a:ext cx="1456437" cy="1456437"/>
+                </a:xfrm>
+                <a:prstGeom prst="rect">
+                  <a:avLst/>
+                </a:prstGeom>
+              </p:spPr>
+              <p:style>
+                <a:lnRef idx="0">
+                  <a:scrgbClr r="0" g="0" b="0"/>
+                </a:lnRef>
+                <a:fillRef idx="0">
+                  <a:scrgbClr r="0" g="0" b="0"/>
+                </a:fillRef>
+                <a:effectRef idx="0">
+                  <a:scrgbClr r="0" g="0" b="0"/>
+                </a:effectRef>
+                <a:fontRef idx="minor">
+                  <a:schemeClr val="lt1"/>
+                </a:fontRef>
+              </p:style>
+              <p:txBody>
+                <a:bodyPr spcFirstLastPara="0" vert="horz" wrap="square" lIns="50800" tIns="50800" rIns="50800" bIns="50800" numCol="1" spcCol="1270" anchor="ctr" anchorCtr="0">
+                  <a:noAutofit/>
+                </a:bodyPr>
+                <a:lstStyle/>
+                <a:p>
+                  <a:pPr lvl="0" algn="ctr" defTabSz="1778000">
+                    <a:lnSpc>
+                      <a:spcPct val="90000"/>
+                    </a:lnSpc>
+                    <a:spcBef>
+                      <a:spcPct val="0"/>
+                    </a:spcBef>
+                    <a:spcAft>
+                      <a:spcPct val="35000"/>
+                    </a:spcAft>
+                  </a:pPr>
+                  <a:r>
+                    <a:rPr lang="en-US" dirty="0" smtClean="0"/>
+                    <a:t>RPROP Neural Network</a:t>
+                  </a:r>
+                  <a:endParaRPr lang="en-US" kern="1200" dirty="0" smtClean="0"/>
+                </a:p>
+              </p:txBody>
+            </p:sp>
+          </p:grpSp>
+          <p:grpSp>
+            <p:nvGrpSpPr>
+              <p:cNvPr id="10" name="Group 9"/>
+              <p:cNvGrpSpPr/>
+              <p:nvPr/>
+            </p:nvGrpSpPr>
+            <p:grpSpPr>
+              <a:xfrm>
+                <a:off x="9875977" y="3958466"/>
+                <a:ext cx="327494" cy="383106"/>
+                <a:chOff x="1450338" y="1221610"/>
+                <a:chExt cx="327494" cy="383106"/>
+              </a:xfrm>
+            </p:grpSpPr>
+            <p:sp>
+              <p:nvSpPr>
+                <p:cNvPr id="14" name="Right Arrow 13"/>
+                <p:cNvSpPr/>
+                <p:nvPr/>
+              </p:nvSpPr>
+              <p:spPr>
+                <a:xfrm>
+                  <a:off x="1450338" y="1221610"/>
+                  <a:ext cx="327494" cy="383106"/>
+                </a:xfrm>
+                <a:prstGeom prst="rightArrow">
+                  <a:avLst>
+                    <a:gd name="adj1" fmla="val 60000"/>
+                    <a:gd name="adj2" fmla="val 50000"/>
+                  </a:avLst>
+                </a:prstGeom>
+              </p:spPr>
+              <p:style>
+                <a:lnRef idx="0">
+                  <a:schemeClr val="accent1">
+                    <a:tint val="60000"/>
+                    <a:hueOff val="0"/>
+                    <a:satOff val="0"/>
+                    <a:lumOff val="0"/>
+                    <a:alphaOff val="0"/>
+                  </a:schemeClr>
+                </a:lnRef>
+                <a:fillRef idx="1">
+                  <a:schemeClr val="accent1">
+                    <a:tint val="60000"/>
+                    <a:hueOff val="0"/>
+                    <a:satOff val="0"/>
+                    <a:lumOff val="0"/>
+                    <a:alphaOff val="0"/>
+                  </a:schemeClr>
+                </a:fillRef>
+                <a:effectRef idx="0">
+                  <a:schemeClr val="accent1">
+                    <a:tint val="60000"/>
+                    <a:hueOff val="0"/>
+                    <a:satOff val="0"/>
+                    <a:lumOff val="0"/>
+                    <a:alphaOff val="0"/>
+                  </a:schemeClr>
+                </a:effectRef>
+                <a:fontRef idx="minor">
+                  <a:schemeClr val="lt1"/>
+                </a:fontRef>
+              </p:style>
+            </p:sp>
+            <p:sp>
+              <p:nvSpPr>
+                <p:cNvPr id="15" name="Right Arrow 4"/>
+                <p:cNvSpPr/>
+                <p:nvPr/>
+              </p:nvSpPr>
+              <p:spPr>
+                <a:xfrm>
+                  <a:off x="1450338" y="1298231"/>
+                  <a:ext cx="229246" cy="229864"/>
+                </a:xfrm>
+                <a:prstGeom prst="rect">
+                  <a:avLst/>
+                </a:prstGeom>
+              </p:spPr>
+              <p:style>
+                <a:lnRef idx="0">
+                  <a:scrgbClr r="0" g="0" b="0"/>
+                </a:lnRef>
+                <a:fillRef idx="0">
+                  <a:scrgbClr r="0" g="0" b="0"/>
+                </a:fillRef>
+                <a:effectRef idx="0">
+                  <a:scrgbClr r="0" g="0" b="0"/>
+                </a:effectRef>
+                <a:fontRef idx="minor">
+                  <a:schemeClr val="lt1"/>
+                </a:fontRef>
+              </p:style>
+              <p:txBody>
+                <a:bodyPr spcFirstLastPara="0" vert="horz" wrap="square" lIns="0" tIns="0" rIns="0" bIns="0" numCol="1" spcCol="1270" anchor="ctr" anchorCtr="0">
+                  <a:noAutofit/>
+                </a:bodyPr>
+                <a:lstStyle/>
+                <a:p>
+                  <a:pPr lvl="0" algn="ctr" defTabSz="488950">
+                    <a:lnSpc>
+                      <a:spcPct val="90000"/>
+                    </a:lnSpc>
+                    <a:spcBef>
+                      <a:spcPct val="0"/>
+                    </a:spcBef>
+                    <a:spcAft>
+                      <a:spcPct val="35000"/>
+                    </a:spcAft>
+                  </a:pPr>
+                  <a:endParaRPr lang="en-US" sz="1100" kern="1200" dirty="0"/>
+                </a:p>
+              </p:txBody>
+            </p:sp>
+          </p:grpSp>
+        </p:grpSp>
+        <p:grpSp>
+          <p:nvGrpSpPr>
+            <p:cNvPr id="11" name="Group 10"/>
+            <p:cNvGrpSpPr/>
+            <p:nvPr/>
+          </p:nvGrpSpPr>
+          <p:grpSpPr>
+            <a:xfrm>
+              <a:off x="10297309" y="3398541"/>
+              <a:ext cx="1699372" cy="1502956"/>
+              <a:chOff x="9133141" y="1624301"/>
+              <a:chExt cx="1699372" cy="1502956"/>
+            </a:xfrm>
+          </p:grpSpPr>
+          <p:pic>
+            <p:nvPicPr>
+              <p:cNvPr id="12" name="Picture 11"/>
+              <p:cNvPicPr>
+                <a:picLocks noChangeAspect="1"/>
+              </p:cNvPicPr>
+              <p:nvPr/>
+            </p:nvPicPr>
+            <p:blipFill>
+              <a:blip r:embed="rId3" cstate="print">
+                <a:extLst>
+                  <a:ext uri="{28A0092B-C50C-407E-A947-70E740481C1C}">
+                    <a14:useLocalDpi xmlns:a14="http://schemas.microsoft.com/office/drawing/2010/main" val="0"/>
+                  </a:ext>
+                </a:extLst>
+              </a:blip>
+              <a:stretch>
+                <a:fillRect/>
+              </a:stretch>
+            </p:blipFill>
+            <p:spPr>
+              <a:xfrm>
+                <a:off x="9148687" y="1624301"/>
+                <a:ext cx="1683826" cy="843951"/>
+              </a:xfrm>
+              <a:prstGeom prst="roundRect">
+                <a:avLst>
+                  <a:gd name="adj" fmla="val 8594"/>
+                </a:avLst>
+              </a:prstGeom>
+              <a:solidFill>
+                <a:srgbClr val="FFFFFF">
+                  <a:shade val="85000"/>
+                </a:srgbClr>
+              </a:solidFill>
+              <a:ln>
+                <a:noFill/>
+              </a:ln>
+              <a:effectLst>
+                <a:reflection blurRad="12700" stA="38000" endPos="28000" dist="5000" dir="5400000" sy="-100000" algn="bl" rotWithShape="0"/>
+              </a:effectLst>
+            </p:spPr>
+          </p:pic>
           <p:sp>
             <p:nvSpPr>
-              <p:cNvPr id="16" name="Oval 15"/>
+              <p:cNvPr id="13" name="TextBox 12"/>
+              <p:cNvSpPr txBox="1"/>
+              <p:nvPr/>
+            </p:nvSpPr>
+            <p:spPr>
+              <a:xfrm>
+                <a:off x="9133141" y="2480926"/>
+                <a:ext cx="1666931" cy="646331"/>
+              </a:xfrm>
+              <a:prstGeom prst="rect">
+                <a:avLst/>
+              </a:prstGeom>
+              <a:noFill/>
+            </p:spPr>
+            <p:txBody>
+              <a:bodyPr wrap="square" rtlCol="0">
+                <a:spAutoFit/>
+              </a:bodyPr>
+              <a:lstStyle/>
+              <a:p>
+                <a:pPr algn="ctr"/>
+                <a:r>
+                  <a:rPr lang="en-US" dirty="0" smtClean="0"/>
+                  <a:t>3D Position &amp; Orientation</a:t>
+                </a:r>
+                <a:endParaRPr lang="en-US" dirty="0"/>
+              </a:p>
+            </p:txBody>
+          </p:sp>
+        </p:grpSp>
+        <p:pic>
+          <p:nvPicPr>
+            <p:cNvPr id="31" name="Picture 30"/>
+            <p:cNvPicPr>
+              <a:picLocks noChangeAspect="1"/>
+            </p:cNvPicPr>
+            <p:nvPr/>
+          </p:nvPicPr>
+          <p:blipFill>
+            <a:blip r:embed="rId4" cstate="print">
+              <a:extLst>
+                <a:ext uri="{28A0092B-C50C-407E-A947-70E740481C1C}">
+                  <a14:useLocalDpi xmlns:a14="http://schemas.microsoft.com/office/drawing/2010/main" val="0"/>
+                </a:ext>
+              </a:extLst>
+            </a:blip>
+            <a:stretch>
+              <a:fillRect/>
+            </a:stretch>
+          </p:blipFill>
+          <p:spPr>
+            <a:xfrm>
+              <a:off x="548761" y="3460293"/>
+              <a:ext cx="2348992" cy="1177339"/>
+            </a:xfrm>
+            <a:prstGeom prst="roundRect">
+              <a:avLst>
+                <a:gd name="adj" fmla="val 8594"/>
+              </a:avLst>
+            </a:prstGeom>
+            <a:solidFill>
+              <a:srgbClr val="FFFFFF">
+                <a:shade val="85000"/>
+              </a:srgbClr>
+            </a:solidFill>
+            <a:ln>
+              <a:noFill/>
+            </a:ln>
+            <a:effectLst>
+              <a:reflection blurRad="12700" stA="38000" endPos="28000" dist="5000" dir="5400000" sy="-100000" algn="bl" rotWithShape="0"/>
+            </a:effectLst>
+          </p:spPr>
+        </p:pic>
+        <p:grpSp>
+          <p:nvGrpSpPr>
+            <p:cNvPr id="32" name="Group 31"/>
+            <p:cNvGrpSpPr/>
+            <p:nvPr/>
+          </p:nvGrpSpPr>
+          <p:grpSpPr>
+            <a:xfrm>
+              <a:off x="3140544" y="3552980"/>
+              <a:ext cx="2167347" cy="936692"/>
+              <a:chOff x="7937876" y="3654036"/>
+              <a:chExt cx="2167347" cy="936692"/>
+            </a:xfrm>
+          </p:grpSpPr>
+          <p:grpSp>
+            <p:nvGrpSpPr>
+              <p:cNvPr id="33" name="Group 32"/>
+              <p:cNvGrpSpPr/>
+              <p:nvPr/>
+            </p:nvGrpSpPr>
+            <p:grpSpPr>
+              <a:xfrm>
+                <a:off x="7937876" y="3958466"/>
+                <a:ext cx="327494" cy="383106"/>
+                <a:chOff x="1450338" y="1221610"/>
+                <a:chExt cx="327494" cy="383106"/>
+              </a:xfrm>
+            </p:grpSpPr>
+            <p:sp>
+              <p:nvSpPr>
+                <p:cNvPr id="40" name="Right Arrow 39"/>
+                <p:cNvSpPr/>
+                <p:nvPr/>
+              </p:nvSpPr>
+              <p:spPr>
+                <a:xfrm>
+                  <a:off x="1450338" y="1221610"/>
+                  <a:ext cx="327494" cy="383106"/>
+                </a:xfrm>
+                <a:prstGeom prst="rightArrow">
+                  <a:avLst>
+                    <a:gd name="adj1" fmla="val 60000"/>
+                    <a:gd name="adj2" fmla="val 50000"/>
+                  </a:avLst>
+                </a:prstGeom>
+              </p:spPr>
+              <p:style>
+                <a:lnRef idx="0">
+                  <a:schemeClr val="accent1">
+                    <a:tint val="60000"/>
+                    <a:hueOff val="0"/>
+                    <a:satOff val="0"/>
+                    <a:lumOff val="0"/>
+                    <a:alphaOff val="0"/>
+                  </a:schemeClr>
+                </a:lnRef>
+                <a:fillRef idx="1">
+                  <a:schemeClr val="accent1">
+                    <a:tint val="60000"/>
+                    <a:hueOff val="0"/>
+                    <a:satOff val="0"/>
+                    <a:lumOff val="0"/>
+                    <a:alphaOff val="0"/>
+                  </a:schemeClr>
+                </a:fillRef>
+                <a:effectRef idx="0">
+                  <a:schemeClr val="accent1">
+                    <a:tint val="60000"/>
+                    <a:hueOff val="0"/>
+                    <a:satOff val="0"/>
+                    <a:lumOff val="0"/>
+                    <a:alphaOff val="0"/>
+                  </a:schemeClr>
+                </a:effectRef>
+                <a:fontRef idx="minor">
+                  <a:schemeClr val="lt1"/>
+                </a:fontRef>
+              </p:style>
+            </p:sp>
+            <p:sp>
+              <p:nvSpPr>
+                <p:cNvPr id="41" name="Right Arrow 4"/>
+                <p:cNvSpPr/>
+                <p:nvPr/>
+              </p:nvSpPr>
+              <p:spPr>
+                <a:xfrm>
+                  <a:off x="1450338" y="1298231"/>
+                  <a:ext cx="229246" cy="229864"/>
+                </a:xfrm>
+                <a:prstGeom prst="rect">
+                  <a:avLst/>
+                </a:prstGeom>
+              </p:spPr>
+              <p:style>
+                <a:lnRef idx="0">
+                  <a:scrgbClr r="0" g="0" b="0"/>
+                </a:lnRef>
+                <a:fillRef idx="0">
+                  <a:scrgbClr r="0" g="0" b="0"/>
+                </a:fillRef>
+                <a:effectRef idx="0">
+                  <a:scrgbClr r="0" g="0" b="0"/>
+                </a:effectRef>
+                <a:fontRef idx="minor">
+                  <a:schemeClr val="lt1"/>
+                </a:fontRef>
+              </p:style>
+              <p:txBody>
+                <a:bodyPr spcFirstLastPara="0" vert="horz" wrap="square" lIns="0" tIns="0" rIns="0" bIns="0" numCol="1" spcCol="1270" anchor="ctr" anchorCtr="0">
+                  <a:noAutofit/>
+                </a:bodyPr>
+                <a:lstStyle/>
+                <a:p>
+                  <a:pPr lvl="0" algn="ctr" defTabSz="488950">
+                    <a:lnSpc>
+                      <a:spcPct val="90000"/>
+                    </a:lnSpc>
+                    <a:spcBef>
+                      <a:spcPct val="0"/>
+                    </a:spcBef>
+                    <a:spcAft>
+                      <a:spcPct val="35000"/>
+                    </a:spcAft>
+                  </a:pPr>
+                  <a:endParaRPr lang="en-US" sz="1100" kern="1200" dirty="0"/>
+                </a:p>
+              </p:txBody>
+            </p:sp>
+          </p:grpSp>
+          <p:sp>
+            <p:nvSpPr>
+              <p:cNvPr id="39" name="Oval 4"/>
               <p:cNvSpPr/>
               <p:nvPr/>
             </p:nvSpPr>
             <p:spPr>
               <a:xfrm>
-                <a:off x="1913774" y="383307"/>
-                <a:ext cx="2059713" cy="2059713"/>
-              </a:xfrm>
-              <a:prstGeom prst="ellipse">
-                <a:avLst/>
-              </a:prstGeom>
-            </p:spPr>
-            <p:style>
-              <a:lnRef idx="2">
-                <a:schemeClr val="lt1">
-                  <a:hueOff val="0"/>
-                  <a:satOff val="0"/>
-                  <a:lumOff val="0"/>
-                  <a:alphaOff val="0"/>
-                </a:schemeClr>
-              </a:lnRef>
-              <a:fillRef idx="1">
-                <a:schemeClr val="accent1">
-                  <a:hueOff val="0"/>
-                  <a:satOff val="0"/>
-                  <a:lumOff val="0"/>
-                  <a:alphaOff val="0"/>
-                </a:schemeClr>
-              </a:fillRef>
-              <a:effectRef idx="0">
-                <a:schemeClr val="accent1">
-                  <a:hueOff val="0"/>
-                  <a:satOff val="0"/>
-                  <a:lumOff val="0"/>
-                  <a:alphaOff val="0"/>
-                </a:schemeClr>
-              </a:effectRef>
-              <a:fontRef idx="minor">
-                <a:schemeClr val="lt1"/>
-              </a:fontRef>
-            </p:style>
-          </p:sp>
-          <p:sp>
-            <p:nvSpPr>
-              <p:cNvPr id="17" name="Oval 4"/>
-              <p:cNvSpPr/>
-              <p:nvPr/>
-            </p:nvSpPr>
-            <p:spPr>
-              <a:xfrm>
-                <a:off x="2215412" y="684945"/>
-                <a:ext cx="1456437" cy="1456437"/>
+                <a:off x="8553203" y="3654036"/>
+                <a:ext cx="936692" cy="936692"/>
               </a:xfrm>
               <a:prstGeom prst="rect">
                 <a:avLst/>
@@ -6062,88 +6543,22 @@
                   </a:spcAft>
                 </a:pPr>
                 <a:r>
-                  <a:rPr lang="en-US" dirty="0" smtClean="0"/>
-                  <a:t>RPROP Neural Network</a:t>
+                  <a:rPr lang="en-US" sz="1400" dirty="0" smtClean="0"/>
+                  <a:t>2D Covariance Matrix</a:t>
                 </a:r>
-                <a:endParaRPr lang="en-US" kern="1200" dirty="0" smtClean="0"/>
+                <a:endParaRPr lang="en-US" sz="1400" kern="1200" dirty="0" smtClean="0"/>
               </a:p>
             </p:txBody>
           </p:sp>
-        </p:grpSp>
-        <p:grpSp>
-          <p:nvGrpSpPr>
-            <p:cNvPr id="10" name="Group 9"/>
-            <p:cNvGrpSpPr/>
-            <p:nvPr/>
-          </p:nvGrpSpPr>
-          <p:grpSpPr>
-            <a:xfrm>
-              <a:off x="9875977" y="3958466"/>
-              <a:ext cx="327494" cy="383106"/>
-              <a:chOff x="1450338" y="1221610"/>
-              <a:chExt cx="327494" cy="383106"/>
-            </a:xfrm>
-          </p:grpSpPr>
           <p:sp>
             <p:nvSpPr>
-              <p:cNvPr id="14" name="Right Arrow 13"/>
+              <p:cNvPr id="37" name="Right Arrow 4"/>
               <p:cNvSpPr/>
               <p:nvPr/>
             </p:nvSpPr>
             <p:spPr>
               <a:xfrm>
-                <a:off x="1450338" y="1221610"/>
-                <a:ext cx="327494" cy="383106"/>
-              </a:xfrm>
-              <a:prstGeom prst="rightArrow">
-                <a:avLst>
-                  <a:gd name="adj1" fmla="val 60000"/>
-                  <a:gd name="adj2" fmla="val 50000"/>
-                </a:avLst>
-              </a:prstGeom>
-            </p:spPr>
-            <p:style>
-              <a:lnRef idx="0">
-                <a:schemeClr val="accent1">
-                  <a:tint val="60000"/>
-                  <a:hueOff val="0"/>
-                  <a:satOff val="0"/>
-                  <a:lumOff val="0"/>
-                  <a:alphaOff val="0"/>
-                </a:schemeClr>
-              </a:lnRef>
-              <a:fillRef idx="1">
-                <a:schemeClr val="accent1">
-                  <a:tint val="60000"/>
-                  <a:hueOff val="0"/>
-                  <a:satOff val="0"/>
-                  <a:lumOff val="0"/>
-                  <a:alphaOff val="0"/>
-                </a:schemeClr>
-              </a:fillRef>
-              <a:effectRef idx="0">
-                <a:schemeClr val="accent1">
-                  <a:tint val="60000"/>
-                  <a:hueOff val="0"/>
-                  <a:satOff val="0"/>
-                  <a:lumOff val="0"/>
-                  <a:alphaOff val="0"/>
-                </a:schemeClr>
-              </a:effectRef>
-              <a:fontRef idx="minor">
-                <a:schemeClr val="lt1"/>
-              </a:fontRef>
-            </p:style>
-          </p:sp>
-          <p:sp>
-            <p:nvSpPr>
-              <p:cNvPr id="15" name="Right Arrow 4"/>
-              <p:cNvSpPr/>
-              <p:nvPr/>
-            </p:nvSpPr>
-            <p:spPr>
-              <a:xfrm>
-                <a:off x="1450338" y="1298231"/>
+                <a:off x="9875977" y="4035087"/>
                 <a:ext cx="229246" cy="229864"/>
               </a:xfrm>
               <a:prstGeom prst="rect">
@@ -6186,74 +6601,86 @@
             </p:txBody>
           </p:sp>
         </p:grpSp>
-      </p:grpSp>
-      <p:grpSp>
-        <p:nvGrpSpPr>
-          <p:cNvPr id="11" name="Group 10"/>
-          <p:cNvGrpSpPr/>
-          <p:nvPr/>
-        </p:nvGrpSpPr>
-        <p:grpSpPr>
-          <a:xfrm>
-            <a:off x="10297309" y="3398541"/>
-            <a:ext cx="1699372" cy="1502956"/>
-            <a:chOff x="9133141" y="1624301"/>
-            <a:chExt cx="1699372" cy="1502956"/>
-          </a:xfrm>
-        </p:grpSpPr>
-        <p:pic>
-          <p:nvPicPr>
-            <p:cNvPr id="12" name="Picture 11"/>
-            <p:cNvPicPr>
-              <a:picLocks noChangeAspect="1"/>
-            </p:cNvPicPr>
+        <p:grpSp>
+          <p:nvGrpSpPr>
+            <p:cNvPr id="45" name="Group 44"/>
+            <p:cNvGrpSpPr/>
             <p:nvPr/>
-          </p:nvPicPr>
-          <p:blipFill>
-            <a:blip r:embed="rId3" cstate="print">
-              <a:extLst>
-                <a:ext uri="{28A0092B-C50C-407E-A947-70E740481C1C}">
-                  <a14:useLocalDpi xmlns:a14="http://schemas.microsoft.com/office/drawing/2010/main" val="0"/>
-                </a:ext>
-              </a:extLst>
-            </a:blip>
-            <a:stretch>
-              <a:fillRect/>
-            </a:stretch>
-          </p:blipFill>
-          <p:spPr>
+          </p:nvGrpSpPr>
+          <p:grpSpPr>
             <a:xfrm>
-              <a:off x="9148687" y="1624301"/>
-              <a:ext cx="1683826" cy="843951"/>
+              <a:off x="-2543938" y="3848152"/>
+              <a:ext cx="13607380" cy="1026858"/>
+              <a:chOff x="-3650358" y="1783675"/>
+              <a:chExt cx="13607380" cy="1026858"/>
             </a:xfrm>
-            <a:prstGeom prst="roundRect">
-              <a:avLst>
-                <a:gd name="adj" fmla="val 8594"/>
-              </a:avLst>
-            </a:prstGeom>
-            <a:solidFill>
-              <a:srgbClr val="FFFFFF">
-                <a:shade val="85000"/>
-              </a:srgbClr>
-            </a:solidFill>
-            <a:ln>
+          </p:grpSpPr>
+          <p:pic>
+            <p:nvPicPr>
+              <p:cNvPr id="43" name="Picture 42"/>
+              <p:cNvPicPr>
+                <a:picLocks noChangeAspect="1"/>
+              </p:cNvPicPr>
+              <p:nvPr/>
+            </p:nvPicPr>
+            <p:blipFill>
+              <a:blip r:embed="rId5"/>
+              <a:stretch>
+                <a:fillRect/>
+              </a:stretch>
+            </p:blipFill>
+            <p:spPr>
+              <a:xfrm>
+                <a:off x="-3650358" y="1783675"/>
+                <a:ext cx="13607380" cy="637314"/>
+              </a:xfrm>
+              <a:prstGeom prst="rect">
+                <a:avLst/>
+              </a:prstGeom>
+            </p:spPr>
+          </p:pic>
+          <p:sp>
+            <p:nvSpPr>
+              <p:cNvPr id="44" name="TextBox 43"/>
+              <p:cNvSpPr txBox="1"/>
+              <p:nvPr/>
+            </p:nvSpPr>
+            <p:spPr>
+              <a:xfrm>
+                <a:off x="2319866" y="2164202"/>
+                <a:ext cx="1666931" cy="646331"/>
+              </a:xfrm>
+              <a:prstGeom prst="rect">
+                <a:avLst/>
+              </a:prstGeom>
               <a:noFill/>
-            </a:ln>
-            <a:effectLst>
-              <a:reflection blurRad="12700" stA="38000" endPos="28000" dist="5000" dir="5400000" sy="-100000" algn="bl" rotWithShape="0"/>
-            </a:effectLst>
-          </p:spPr>
-        </p:pic>
+            </p:spPr>
+            <p:txBody>
+              <a:bodyPr wrap="square" rtlCol="0">
+                <a:spAutoFit/>
+              </a:bodyPr>
+              <a:lstStyle/>
+              <a:p>
+                <a:pPr algn="ctr"/>
+                <a:r>
+                  <a:rPr lang="en-US" dirty="0" smtClean="0"/>
+                  <a:t>2D Covariance Matrix</a:t>
+                </a:r>
+                <a:endParaRPr lang="en-US" dirty="0"/>
+              </a:p>
+            </p:txBody>
+          </p:sp>
+        </p:grpSp>
         <p:sp>
           <p:nvSpPr>
-            <p:cNvPr id="13" name="TextBox 12"/>
+            <p:cNvPr id="46" name="TextBox 45"/>
             <p:cNvSpPr txBox="1"/>
             <p:nvPr/>
           </p:nvSpPr>
           <p:spPr>
             <a:xfrm>
-              <a:off x="9133141" y="2480926"/>
-              <a:ext cx="1666931" cy="646331"/>
+              <a:off x="548761" y="4644114"/>
+              <a:ext cx="2348992" cy="646331"/>
             </a:xfrm>
             <a:prstGeom prst="rect">
               <a:avLst/>
@@ -6269,392 +6696,13 @@
               <a:pPr algn="ctr"/>
               <a:r>
                 <a:rPr lang="en-US" dirty="0" smtClean="0"/>
-                <a:t>3D Position &amp; Orientation</a:t>
+                <a:t>Pre-Labeled Input Image Region</a:t>
               </a:r>
               <a:endParaRPr lang="en-US" dirty="0"/>
             </a:p>
           </p:txBody>
         </p:sp>
       </p:grpSp>
-      <p:pic>
-        <p:nvPicPr>
-          <p:cNvPr id="31" name="Picture 30"/>
-          <p:cNvPicPr>
-            <a:picLocks noChangeAspect="1"/>
-          </p:cNvPicPr>
-          <p:nvPr/>
-        </p:nvPicPr>
-        <p:blipFill>
-          <a:blip r:embed="rId4" cstate="print">
-            <a:extLst>
-              <a:ext uri="{28A0092B-C50C-407E-A947-70E740481C1C}">
-                <a14:useLocalDpi xmlns:a14="http://schemas.microsoft.com/office/drawing/2010/main" val="0"/>
-              </a:ext>
-            </a:extLst>
-          </a:blip>
-          <a:stretch>
-            <a:fillRect/>
-          </a:stretch>
-        </p:blipFill>
-        <p:spPr>
-          <a:xfrm>
-            <a:off x="548761" y="3460293"/>
-            <a:ext cx="2348992" cy="1177339"/>
-          </a:xfrm>
-          <a:prstGeom prst="roundRect">
-            <a:avLst>
-              <a:gd name="adj" fmla="val 8594"/>
-            </a:avLst>
-          </a:prstGeom>
-          <a:solidFill>
-            <a:srgbClr val="FFFFFF">
-              <a:shade val="85000"/>
-            </a:srgbClr>
-          </a:solidFill>
-          <a:ln>
-            <a:noFill/>
-          </a:ln>
-          <a:effectLst>
-            <a:reflection blurRad="12700" stA="38000" endPos="28000" dist="5000" dir="5400000" sy="-100000" algn="bl" rotWithShape="0"/>
-          </a:effectLst>
-        </p:spPr>
-      </p:pic>
-      <p:grpSp>
-        <p:nvGrpSpPr>
-          <p:cNvPr id="32" name="Group 31"/>
-          <p:cNvGrpSpPr/>
-          <p:nvPr/>
-        </p:nvGrpSpPr>
-        <p:grpSpPr>
-          <a:xfrm>
-            <a:off x="3140544" y="3552980"/>
-            <a:ext cx="2167347" cy="936692"/>
-            <a:chOff x="7937876" y="3654036"/>
-            <a:chExt cx="2167347" cy="936692"/>
-          </a:xfrm>
-        </p:grpSpPr>
-        <p:grpSp>
-          <p:nvGrpSpPr>
-            <p:cNvPr id="33" name="Group 32"/>
-            <p:cNvGrpSpPr/>
-            <p:nvPr/>
-          </p:nvGrpSpPr>
-          <p:grpSpPr>
-            <a:xfrm>
-              <a:off x="7937876" y="3958466"/>
-              <a:ext cx="327494" cy="383106"/>
-              <a:chOff x="1450338" y="1221610"/>
-              <a:chExt cx="327494" cy="383106"/>
-            </a:xfrm>
-          </p:grpSpPr>
-          <p:sp>
-            <p:nvSpPr>
-              <p:cNvPr id="40" name="Right Arrow 39"/>
-              <p:cNvSpPr/>
-              <p:nvPr/>
-            </p:nvSpPr>
-            <p:spPr>
-              <a:xfrm>
-                <a:off x="1450338" y="1221610"/>
-                <a:ext cx="327494" cy="383106"/>
-              </a:xfrm>
-              <a:prstGeom prst="rightArrow">
-                <a:avLst>
-                  <a:gd name="adj1" fmla="val 60000"/>
-                  <a:gd name="adj2" fmla="val 50000"/>
-                </a:avLst>
-              </a:prstGeom>
-            </p:spPr>
-            <p:style>
-              <a:lnRef idx="0">
-                <a:schemeClr val="accent1">
-                  <a:tint val="60000"/>
-                  <a:hueOff val="0"/>
-                  <a:satOff val="0"/>
-                  <a:lumOff val="0"/>
-                  <a:alphaOff val="0"/>
-                </a:schemeClr>
-              </a:lnRef>
-              <a:fillRef idx="1">
-                <a:schemeClr val="accent1">
-                  <a:tint val="60000"/>
-                  <a:hueOff val="0"/>
-                  <a:satOff val="0"/>
-                  <a:lumOff val="0"/>
-                  <a:alphaOff val="0"/>
-                </a:schemeClr>
-              </a:fillRef>
-              <a:effectRef idx="0">
-                <a:schemeClr val="accent1">
-                  <a:tint val="60000"/>
-                  <a:hueOff val="0"/>
-                  <a:satOff val="0"/>
-                  <a:lumOff val="0"/>
-                  <a:alphaOff val="0"/>
-                </a:schemeClr>
-              </a:effectRef>
-              <a:fontRef idx="minor">
-                <a:schemeClr val="lt1"/>
-              </a:fontRef>
-            </p:style>
-          </p:sp>
-          <p:sp>
-            <p:nvSpPr>
-              <p:cNvPr id="41" name="Right Arrow 4"/>
-              <p:cNvSpPr/>
-              <p:nvPr/>
-            </p:nvSpPr>
-            <p:spPr>
-              <a:xfrm>
-                <a:off x="1450338" y="1298231"/>
-                <a:ext cx="229246" cy="229864"/>
-              </a:xfrm>
-              <a:prstGeom prst="rect">
-                <a:avLst/>
-              </a:prstGeom>
-            </p:spPr>
-            <p:style>
-              <a:lnRef idx="0">
-                <a:scrgbClr r="0" g="0" b="0"/>
-              </a:lnRef>
-              <a:fillRef idx="0">
-                <a:scrgbClr r="0" g="0" b="0"/>
-              </a:fillRef>
-              <a:effectRef idx="0">
-                <a:scrgbClr r="0" g="0" b="0"/>
-              </a:effectRef>
-              <a:fontRef idx="minor">
-                <a:schemeClr val="lt1"/>
-              </a:fontRef>
-            </p:style>
-            <p:txBody>
-              <a:bodyPr spcFirstLastPara="0" vert="horz" wrap="square" lIns="0" tIns="0" rIns="0" bIns="0" numCol="1" spcCol="1270" anchor="ctr" anchorCtr="0">
-                <a:noAutofit/>
-              </a:bodyPr>
-              <a:lstStyle/>
-              <a:p>
-                <a:pPr lvl="0" algn="ctr" defTabSz="488950">
-                  <a:lnSpc>
-                    <a:spcPct val="90000"/>
-                  </a:lnSpc>
-                  <a:spcBef>
-                    <a:spcPct val="0"/>
-                  </a:spcBef>
-                  <a:spcAft>
-                    <a:spcPct val="35000"/>
-                  </a:spcAft>
-                </a:pPr>
-                <a:endParaRPr lang="en-US" sz="1100" kern="1200" dirty="0"/>
-              </a:p>
-            </p:txBody>
-          </p:sp>
-        </p:grpSp>
-        <p:sp>
-          <p:nvSpPr>
-            <p:cNvPr id="39" name="Oval 4"/>
-            <p:cNvSpPr/>
-            <p:nvPr/>
-          </p:nvSpPr>
-          <p:spPr>
-            <a:xfrm>
-              <a:off x="8553203" y="3654036"/>
-              <a:ext cx="936692" cy="936692"/>
-            </a:xfrm>
-            <a:prstGeom prst="rect">
-              <a:avLst/>
-            </a:prstGeom>
-          </p:spPr>
-          <p:style>
-            <a:lnRef idx="0">
-              <a:scrgbClr r="0" g="0" b="0"/>
-            </a:lnRef>
-            <a:fillRef idx="0">
-              <a:scrgbClr r="0" g="0" b="0"/>
-            </a:fillRef>
-            <a:effectRef idx="0">
-              <a:scrgbClr r="0" g="0" b="0"/>
-            </a:effectRef>
-            <a:fontRef idx="minor">
-              <a:schemeClr val="lt1"/>
-            </a:fontRef>
-          </p:style>
-          <p:txBody>
-            <a:bodyPr spcFirstLastPara="0" vert="horz" wrap="square" lIns="50800" tIns="50800" rIns="50800" bIns="50800" numCol="1" spcCol="1270" anchor="ctr" anchorCtr="0">
-              <a:noAutofit/>
-            </a:bodyPr>
-            <a:lstStyle/>
-            <a:p>
-              <a:pPr lvl="0" algn="ctr" defTabSz="1778000">
-                <a:lnSpc>
-                  <a:spcPct val="90000"/>
-                </a:lnSpc>
-                <a:spcBef>
-                  <a:spcPct val="0"/>
-                </a:spcBef>
-                <a:spcAft>
-                  <a:spcPct val="35000"/>
-                </a:spcAft>
-              </a:pPr>
-              <a:r>
-                <a:rPr lang="en-US" sz="1400" dirty="0" smtClean="0"/>
-                <a:t>2D Covariance Matrix</a:t>
-              </a:r>
-              <a:endParaRPr lang="en-US" sz="1400" kern="1200" dirty="0" smtClean="0"/>
-            </a:p>
-          </p:txBody>
-        </p:sp>
-        <p:sp>
-          <p:nvSpPr>
-            <p:cNvPr id="37" name="Right Arrow 4"/>
-            <p:cNvSpPr/>
-            <p:nvPr/>
-          </p:nvSpPr>
-          <p:spPr>
-            <a:xfrm>
-              <a:off x="9875977" y="4035087"/>
-              <a:ext cx="229246" cy="229864"/>
-            </a:xfrm>
-            <a:prstGeom prst="rect">
-              <a:avLst/>
-            </a:prstGeom>
-          </p:spPr>
-          <p:style>
-            <a:lnRef idx="0">
-              <a:scrgbClr r="0" g="0" b="0"/>
-            </a:lnRef>
-            <a:fillRef idx="0">
-              <a:scrgbClr r="0" g="0" b="0"/>
-            </a:fillRef>
-            <a:effectRef idx="0">
-              <a:scrgbClr r="0" g="0" b="0"/>
-            </a:effectRef>
-            <a:fontRef idx="minor">
-              <a:schemeClr val="lt1"/>
-            </a:fontRef>
-          </p:style>
-          <p:txBody>
-            <a:bodyPr spcFirstLastPara="0" vert="horz" wrap="square" lIns="0" tIns="0" rIns="0" bIns="0" numCol="1" spcCol="1270" anchor="ctr" anchorCtr="0">
-              <a:noAutofit/>
-            </a:bodyPr>
-            <a:lstStyle/>
-            <a:p>
-              <a:pPr lvl="0" algn="ctr" defTabSz="488950">
-                <a:lnSpc>
-                  <a:spcPct val="90000"/>
-                </a:lnSpc>
-                <a:spcBef>
-                  <a:spcPct val="0"/>
-                </a:spcBef>
-                <a:spcAft>
-                  <a:spcPct val="35000"/>
-                </a:spcAft>
-              </a:pPr>
-              <a:endParaRPr lang="en-US" sz="1100" kern="1200" dirty="0"/>
-            </a:p>
-          </p:txBody>
-        </p:sp>
-      </p:grpSp>
-      <p:grpSp>
-        <p:nvGrpSpPr>
-          <p:cNvPr id="45" name="Group 44"/>
-          <p:cNvGrpSpPr/>
-          <p:nvPr/>
-        </p:nvGrpSpPr>
-        <p:grpSpPr>
-          <a:xfrm>
-            <a:off x="-2543938" y="3848152"/>
-            <a:ext cx="13607380" cy="1026858"/>
-            <a:chOff x="-3650358" y="1783675"/>
-            <a:chExt cx="13607380" cy="1026858"/>
-          </a:xfrm>
-        </p:grpSpPr>
-        <p:pic>
-          <p:nvPicPr>
-            <p:cNvPr id="43" name="Picture 42"/>
-            <p:cNvPicPr>
-              <a:picLocks noChangeAspect="1"/>
-            </p:cNvPicPr>
-            <p:nvPr/>
-          </p:nvPicPr>
-          <p:blipFill>
-            <a:blip r:embed="rId5"/>
-            <a:stretch>
-              <a:fillRect/>
-            </a:stretch>
-          </p:blipFill>
-          <p:spPr>
-            <a:xfrm>
-              <a:off x="-3650358" y="1783675"/>
-              <a:ext cx="13607380" cy="637314"/>
-            </a:xfrm>
-            <a:prstGeom prst="rect">
-              <a:avLst/>
-            </a:prstGeom>
-          </p:spPr>
-        </p:pic>
-        <p:sp>
-          <p:nvSpPr>
-            <p:cNvPr id="44" name="TextBox 43"/>
-            <p:cNvSpPr txBox="1"/>
-            <p:nvPr/>
-          </p:nvSpPr>
-          <p:spPr>
-            <a:xfrm>
-              <a:off x="2319866" y="2164202"/>
-              <a:ext cx="1666931" cy="646331"/>
-            </a:xfrm>
-            <a:prstGeom prst="rect">
-              <a:avLst/>
-            </a:prstGeom>
-            <a:noFill/>
-          </p:spPr>
-          <p:txBody>
-            <a:bodyPr wrap="square" rtlCol="0">
-              <a:spAutoFit/>
-            </a:bodyPr>
-            <a:lstStyle/>
-            <a:p>
-              <a:pPr algn="ctr"/>
-              <a:r>
-                <a:rPr lang="en-US" dirty="0" smtClean="0"/>
-                <a:t>2D Covariance Matrix</a:t>
-              </a:r>
-              <a:endParaRPr lang="en-US" dirty="0"/>
-            </a:p>
-          </p:txBody>
-        </p:sp>
-      </p:grpSp>
-      <p:sp>
-        <p:nvSpPr>
-          <p:cNvPr id="46" name="TextBox 45"/>
-          <p:cNvSpPr txBox="1"/>
-          <p:nvPr/>
-        </p:nvSpPr>
-        <p:spPr>
-          <a:xfrm>
-            <a:off x="548761" y="4644114"/>
-            <a:ext cx="2348992" cy="646331"/>
-          </a:xfrm>
-          <a:prstGeom prst="rect">
-            <a:avLst/>
-          </a:prstGeom>
-          <a:noFill/>
-        </p:spPr>
-        <p:txBody>
-          <a:bodyPr wrap="square" rtlCol="0">
-            <a:spAutoFit/>
-          </a:bodyPr>
-          <a:lstStyle/>
-          <a:p>
-            <a:pPr algn="ctr"/>
-            <a:r>
-              <a:rPr lang="en-US" dirty="0" smtClean="0"/>
-              <a:t>Pre-Labeled Input Image Region</a:t>
-            </a:r>
-            <a:endParaRPr lang="en-US" dirty="0"/>
-          </a:p>
-        </p:txBody>
-      </p:sp>
     </p:spTree>
     <p:extLst>
       <p:ext uri="{BB962C8B-B14F-4D97-AF65-F5344CB8AC3E}">
@@ -6746,7 +6794,7 @@
               <p:nvPr/>
             </p:nvPicPr>
             <p:blipFill>
-              <a:blip r:embed="rId3"/>
+              <a:blip r:embed="rId2"/>
               <a:stretch>
                 <a:fillRect/>
               </a:stretch>
@@ -6834,7 +6882,7 @@
                 <p:nvPr/>
               </p:nvPicPr>
               <p:blipFill>
-                <a:blip r:embed="rId4" cstate="print">
+                <a:blip r:embed="rId3" cstate="print">
                   <a:extLst>
                     <a:ext uri="{28A0092B-C50C-407E-A947-70E740481C1C}">
                       <a14:useLocalDpi xmlns:a14="http://schemas.microsoft.com/office/drawing/2010/main" val="0"/>
@@ -6877,7 +6925,7 @@
                 <p:nvPr/>
               </p:nvPicPr>
               <p:blipFill>
-                <a:blip r:embed="rId5" cstate="print">
+                <a:blip r:embed="rId4" cstate="print">
                   <a:extLst>
                     <a:ext uri="{28A0092B-C50C-407E-A947-70E740481C1C}">
                       <a14:useLocalDpi xmlns:a14="http://schemas.microsoft.com/office/drawing/2010/main" val="0"/>
@@ -6930,7 +6978,7 @@
             </p:xfrm>
             <a:graphic>
               <a:graphicData uri="http://schemas.openxmlformats.org/drawingml/2006/diagram">
-                <dgm:relIds xmlns:dgm="http://schemas.openxmlformats.org/drawingml/2006/diagram" xmlns:r="http://schemas.openxmlformats.org/officeDocument/2006/relationships" r:dm="rId6" r:lo="rId7" r:qs="rId8" r:cs="rId9"/>
+                <dgm:relIds xmlns:dgm="http://schemas.openxmlformats.org/drawingml/2006/diagram" xmlns:r="http://schemas.openxmlformats.org/officeDocument/2006/relationships" r:dm="rId5" r:lo="rId6" r:qs="rId7" r:cs="rId8"/>
               </a:graphicData>
             </a:graphic>
           </p:graphicFrame>
@@ -7422,7 +7470,7 @@
               <p:nvPr/>
             </p:nvPicPr>
             <p:blipFill>
-              <a:blip r:embed="rId11" cstate="print">
+              <a:blip r:embed="rId10" cstate="print">
                 <a:extLst>
                   <a:ext uri="{28A0092B-C50C-407E-A947-70E740481C1C}">
                     <a14:useLocalDpi xmlns:a14="http://schemas.microsoft.com/office/drawing/2010/main" val="0"/>
@@ -7526,95 +7574,6 @@
           <a:chExt cx="0" cy="0"/>
         </a:xfrm>
       </p:grpSpPr>
-      <p:grpSp>
-        <p:nvGrpSpPr>
-          <p:cNvPr id="3" name="Group 2"/>
-          <p:cNvGrpSpPr/>
-          <p:nvPr/>
-        </p:nvGrpSpPr>
-        <p:grpSpPr>
-          <a:xfrm>
-            <a:off x="548761" y="3460293"/>
-            <a:ext cx="2348992" cy="1830152"/>
-            <a:chOff x="548761" y="3460293"/>
-            <a:chExt cx="2348992" cy="1830152"/>
-          </a:xfrm>
-        </p:grpSpPr>
-        <p:pic>
-          <p:nvPicPr>
-            <p:cNvPr id="31" name="Picture 30"/>
-            <p:cNvPicPr>
-              <a:picLocks noChangeAspect="1"/>
-            </p:cNvPicPr>
-            <p:nvPr/>
-          </p:nvPicPr>
-          <p:blipFill>
-            <a:blip r:embed="rId2" cstate="print">
-              <a:extLst>
-                <a:ext uri="{28A0092B-C50C-407E-A947-70E740481C1C}">
-                  <a14:useLocalDpi xmlns:a14="http://schemas.microsoft.com/office/drawing/2010/main" val="0"/>
-                </a:ext>
-              </a:extLst>
-            </a:blip>
-            <a:stretch>
-              <a:fillRect/>
-            </a:stretch>
-          </p:blipFill>
-          <p:spPr>
-            <a:xfrm>
-              <a:off x="548761" y="3460293"/>
-              <a:ext cx="2348992" cy="1177339"/>
-            </a:xfrm>
-            <a:prstGeom prst="roundRect">
-              <a:avLst>
-                <a:gd name="adj" fmla="val 8594"/>
-              </a:avLst>
-            </a:prstGeom>
-            <a:solidFill>
-              <a:srgbClr val="FFFFFF">
-                <a:shade val="85000"/>
-              </a:srgbClr>
-            </a:solidFill>
-            <a:ln>
-              <a:noFill/>
-            </a:ln>
-            <a:effectLst>
-              <a:reflection blurRad="12700" stA="38000" endPos="28000" dist="5000" dir="5400000" sy="-100000" algn="bl" rotWithShape="0"/>
-            </a:effectLst>
-          </p:spPr>
-        </p:pic>
-        <p:sp>
-          <p:nvSpPr>
-            <p:cNvPr id="46" name="TextBox 45"/>
-            <p:cNvSpPr txBox="1"/>
-            <p:nvPr/>
-          </p:nvSpPr>
-          <p:spPr>
-            <a:xfrm>
-              <a:off x="548761" y="4644114"/>
-              <a:ext cx="2348992" cy="646331"/>
-            </a:xfrm>
-            <a:prstGeom prst="rect">
-              <a:avLst/>
-            </a:prstGeom>
-            <a:noFill/>
-          </p:spPr>
-          <p:txBody>
-            <a:bodyPr wrap="square" rtlCol="0">
-              <a:spAutoFit/>
-            </a:bodyPr>
-            <a:lstStyle/>
-            <a:p>
-              <a:pPr algn="ctr"/>
-              <a:r>
-                <a:rPr lang="en-US" dirty="0" smtClean="0"/>
-                <a:t>Pre-Labeled Input Image Region</a:t>
-              </a:r>
-              <a:endParaRPr lang="en-US" dirty="0"/>
-            </a:p>
-          </p:txBody>
-        </p:sp>
-      </p:grpSp>
       <p:sp>
         <p:nvSpPr>
           <p:cNvPr id="2" name="Title 1"/>
@@ -7641,92 +7600,752 @@
       </p:sp>
       <p:grpSp>
         <p:nvGrpSpPr>
-          <p:cNvPr id="29" name="Group 28"/>
+          <p:cNvPr id="5" name="Group 4"/>
           <p:cNvGrpSpPr/>
           <p:nvPr/>
         </p:nvGrpSpPr>
         <p:grpSpPr>
           <a:xfrm>
-            <a:off x="7143708" y="3386619"/>
-            <a:ext cx="2265595" cy="1324683"/>
-            <a:chOff x="7937876" y="3460041"/>
-            <a:chExt cx="2265595" cy="1324683"/>
+            <a:off x="-2571639" y="3386619"/>
+            <a:ext cx="14526743" cy="2207192"/>
+            <a:chOff x="-2571639" y="3386619"/>
+            <a:chExt cx="14526743" cy="2207192"/>
           </a:xfrm>
         </p:grpSpPr>
         <p:grpSp>
           <p:nvGrpSpPr>
-            <p:cNvPr id="8" name="Group 7"/>
+            <p:cNvPr id="3" name="Group 2"/>
             <p:cNvGrpSpPr/>
             <p:nvPr/>
           </p:nvGrpSpPr>
           <p:grpSpPr>
             <a:xfrm>
-              <a:off x="7937876" y="3958466"/>
-              <a:ext cx="327494" cy="383106"/>
-              <a:chOff x="1450338" y="1221610"/>
-              <a:chExt cx="327494" cy="383106"/>
+              <a:off x="548761" y="3460293"/>
+              <a:ext cx="2348992" cy="1830152"/>
+              <a:chOff x="548761" y="3460293"/>
+              <a:chExt cx="2348992" cy="1830152"/>
             </a:xfrm>
           </p:grpSpPr>
+          <p:pic>
+            <p:nvPicPr>
+              <p:cNvPr id="31" name="Picture 30"/>
+              <p:cNvPicPr>
+                <a:picLocks noChangeAspect="1"/>
+              </p:cNvPicPr>
+              <p:nvPr/>
+            </p:nvPicPr>
+            <p:blipFill>
+              <a:blip r:embed="rId2" cstate="print">
+                <a:extLst>
+                  <a:ext uri="{28A0092B-C50C-407E-A947-70E740481C1C}">
+                    <a14:useLocalDpi xmlns:a14="http://schemas.microsoft.com/office/drawing/2010/main" val="0"/>
+                  </a:ext>
+                </a:extLst>
+              </a:blip>
+              <a:stretch>
+                <a:fillRect/>
+              </a:stretch>
+            </p:blipFill>
+            <p:spPr>
+              <a:xfrm>
+                <a:off x="548761" y="3460293"/>
+                <a:ext cx="2348992" cy="1177339"/>
+              </a:xfrm>
+              <a:prstGeom prst="roundRect">
+                <a:avLst>
+                  <a:gd name="adj" fmla="val 8594"/>
+                </a:avLst>
+              </a:prstGeom>
+              <a:solidFill>
+                <a:srgbClr val="FFFFFF">
+                  <a:shade val="85000"/>
+                </a:srgbClr>
+              </a:solidFill>
+              <a:ln>
+                <a:noFill/>
+              </a:ln>
+              <a:effectLst>
+                <a:reflection blurRad="12700" stA="38000" endPos="28000" dist="5000" dir="5400000" sy="-100000" algn="bl" rotWithShape="0"/>
+              </a:effectLst>
+            </p:spPr>
+          </p:pic>
           <p:sp>
             <p:nvSpPr>
-              <p:cNvPr id="18" name="Right Arrow 17"/>
+              <p:cNvPr id="46" name="TextBox 45"/>
+              <p:cNvSpPr txBox="1"/>
+              <p:nvPr/>
+            </p:nvSpPr>
+            <p:spPr>
+              <a:xfrm>
+                <a:off x="548761" y="4644114"/>
+                <a:ext cx="2348992" cy="646331"/>
+              </a:xfrm>
+              <a:prstGeom prst="rect">
+                <a:avLst/>
+              </a:prstGeom>
+              <a:noFill/>
+            </p:spPr>
+            <p:txBody>
+              <a:bodyPr wrap="square" rtlCol="0">
+                <a:spAutoFit/>
+              </a:bodyPr>
+              <a:lstStyle/>
+              <a:p>
+                <a:pPr algn="ctr"/>
+                <a:r>
+                  <a:rPr lang="en-US" dirty="0" smtClean="0"/>
+                  <a:t>Pre-Labeled Input Image Region</a:t>
+                </a:r>
+                <a:endParaRPr lang="en-US" dirty="0"/>
+              </a:p>
+            </p:txBody>
+          </p:sp>
+        </p:grpSp>
+        <p:grpSp>
+          <p:nvGrpSpPr>
+            <p:cNvPr id="29" name="Group 28"/>
+            <p:cNvGrpSpPr/>
+            <p:nvPr/>
+          </p:nvGrpSpPr>
+          <p:grpSpPr>
+            <a:xfrm>
+              <a:off x="7143708" y="3386619"/>
+              <a:ext cx="2265595" cy="1324683"/>
+              <a:chOff x="7937876" y="3460041"/>
+              <a:chExt cx="2265595" cy="1324683"/>
+            </a:xfrm>
+          </p:grpSpPr>
+          <p:grpSp>
+            <p:nvGrpSpPr>
+              <p:cNvPr id="8" name="Group 7"/>
+              <p:cNvGrpSpPr/>
+              <p:nvPr/>
+            </p:nvGrpSpPr>
+            <p:grpSpPr>
+              <a:xfrm>
+                <a:off x="7937876" y="3958466"/>
+                <a:ext cx="327494" cy="383106"/>
+                <a:chOff x="1450338" y="1221610"/>
+                <a:chExt cx="327494" cy="383106"/>
+              </a:xfrm>
+            </p:grpSpPr>
+            <p:sp>
+              <p:nvSpPr>
+                <p:cNvPr id="18" name="Right Arrow 17"/>
+                <p:cNvSpPr/>
+                <p:nvPr/>
+              </p:nvSpPr>
+              <p:spPr>
+                <a:xfrm>
+                  <a:off x="1450338" y="1221610"/>
+                  <a:ext cx="327494" cy="383106"/>
+                </a:xfrm>
+                <a:prstGeom prst="rightArrow">
+                  <a:avLst>
+                    <a:gd name="adj1" fmla="val 60000"/>
+                    <a:gd name="adj2" fmla="val 50000"/>
+                  </a:avLst>
+                </a:prstGeom>
+              </p:spPr>
+              <p:style>
+                <a:lnRef idx="0">
+                  <a:schemeClr val="accent1">
+                    <a:tint val="60000"/>
+                    <a:hueOff val="0"/>
+                    <a:satOff val="0"/>
+                    <a:lumOff val="0"/>
+                    <a:alphaOff val="0"/>
+                  </a:schemeClr>
+                </a:lnRef>
+                <a:fillRef idx="1">
+                  <a:schemeClr val="accent1">
+                    <a:tint val="60000"/>
+                    <a:hueOff val="0"/>
+                    <a:satOff val="0"/>
+                    <a:lumOff val="0"/>
+                    <a:alphaOff val="0"/>
+                  </a:schemeClr>
+                </a:fillRef>
+                <a:effectRef idx="0">
+                  <a:schemeClr val="accent1">
+                    <a:tint val="60000"/>
+                    <a:hueOff val="0"/>
+                    <a:satOff val="0"/>
+                    <a:lumOff val="0"/>
+                    <a:alphaOff val="0"/>
+                  </a:schemeClr>
+                </a:effectRef>
+                <a:fontRef idx="minor">
+                  <a:schemeClr val="lt1"/>
+                </a:fontRef>
+              </p:style>
+            </p:sp>
+            <p:sp>
+              <p:nvSpPr>
+                <p:cNvPr id="19" name="Right Arrow 4"/>
+                <p:cNvSpPr/>
+                <p:nvPr/>
+              </p:nvSpPr>
+              <p:spPr>
+                <a:xfrm>
+                  <a:off x="1450338" y="1298231"/>
+                  <a:ext cx="229246" cy="229864"/>
+                </a:xfrm>
+                <a:prstGeom prst="rect">
+                  <a:avLst/>
+                </a:prstGeom>
+              </p:spPr>
+              <p:style>
+                <a:lnRef idx="0">
+                  <a:scrgbClr r="0" g="0" b="0"/>
+                </a:lnRef>
+                <a:fillRef idx="0">
+                  <a:scrgbClr r="0" g="0" b="0"/>
+                </a:fillRef>
+                <a:effectRef idx="0">
+                  <a:scrgbClr r="0" g="0" b="0"/>
+                </a:effectRef>
+                <a:fontRef idx="minor">
+                  <a:schemeClr val="lt1"/>
+                </a:fontRef>
+              </p:style>
+              <p:txBody>
+                <a:bodyPr spcFirstLastPara="0" vert="horz" wrap="square" lIns="0" tIns="0" rIns="0" bIns="0" numCol="1" spcCol="1270" anchor="ctr" anchorCtr="0">
+                  <a:noAutofit/>
+                </a:bodyPr>
+                <a:lstStyle/>
+                <a:p>
+                  <a:pPr lvl="0" algn="ctr" defTabSz="488950">
+                    <a:lnSpc>
+                      <a:spcPct val="90000"/>
+                    </a:lnSpc>
+                    <a:spcBef>
+                      <a:spcPct val="0"/>
+                    </a:spcBef>
+                    <a:spcAft>
+                      <a:spcPct val="35000"/>
+                    </a:spcAft>
+                  </a:pPr>
+                  <a:endParaRPr lang="en-US" sz="1100" kern="1200" dirty="0"/>
+                </a:p>
+              </p:txBody>
+            </p:sp>
+          </p:grpSp>
+          <p:grpSp>
+            <p:nvGrpSpPr>
+              <p:cNvPr id="9" name="Group 8"/>
+              <p:cNvGrpSpPr>
+                <a:grpSpLocks noChangeAspect="1"/>
+              </p:cNvGrpSpPr>
+              <p:nvPr/>
+            </p:nvGrpSpPr>
+            <p:grpSpPr>
+              <a:xfrm>
+                <a:off x="8359208" y="3460041"/>
+                <a:ext cx="1324683" cy="1324683"/>
+                <a:chOff x="1913774" y="383307"/>
+                <a:chExt cx="2059713" cy="2059713"/>
+              </a:xfrm>
+            </p:grpSpPr>
+            <p:sp>
+              <p:nvSpPr>
+                <p:cNvPr id="16" name="Oval 15"/>
+                <p:cNvSpPr/>
+                <p:nvPr/>
+              </p:nvSpPr>
+              <p:spPr>
+                <a:xfrm>
+                  <a:off x="1913774" y="383307"/>
+                  <a:ext cx="2059713" cy="2059713"/>
+                </a:xfrm>
+                <a:prstGeom prst="ellipse">
+                  <a:avLst/>
+                </a:prstGeom>
+              </p:spPr>
+              <p:style>
+                <a:lnRef idx="2">
+                  <a:schemeClr val="lt1">
+                    <a:hueOff val="0"/>
+                    <a:satOff val="0"/>
+                    <a:lumOff val="0"/>
+                    <a:alphaOff val="0"/>
+                  </a:schemeClr>
+                </a:lnRef>
+                <a:fillRef idx="1">
+                  <a:schemeClr val="accent1">
+                    <a:hueOff val="0"/>
+                    <a:satOff val="0"/>
+                    <a:lumOff val="0"/>
+                    <a:alphaOff val="0"/>
+                  </a:schemeClr>
+                </a:fillRef>
+                <a:effectRef idx="0">
+                  <a:schemeClr val="accent1">
+                    <a:hueOff val="0"/>
+                    <a:satOff val="0"/>
+                    <a:lumOff val="0"/>
+                    <a:alphaOff val="0"/>
+                  </a:schemeClr>
+                </a:effectRef>
+                <a:fontRef idx="minor">
+                  <a:schemeClr val="lt1"/>
+                </a:fontRef>
+              </p:style>
+            </p:sp>
+            <p:sp>
+              <p:nvSpPr>
+                <p:cNvPr id="17" name="Oval 4"/>
+                <p:cNvSpPr/>
+                <p:nvPr/>
+              </p:nvSpPr>
+              <p:spPr>
+                <a:xfrm>
+                  <a:off x="2215412" y="684945"/>
+                  <a:ext cx="1456437" cy="1456437"/>
+                </a:xfrm>
+                <a:prstGeom prst="rect">
+                  <a:avLst/>
+                </a:prstGeom>
+              </p:spPr>
+              <p:style>
+                <a:lnRef idx="0">
+                  <a:scrgbClr r="0" g="0" b="0"/>
+                </a:lnRef>
+                <a:fillRef idx="0">
+                  <a:scrgbClr r="0" g="0" b="0"/>
+                </a:fillRef>
+                <a:effectRef idx="0">
+                  <a:scrgbClr r="0" g="0" b="0"/>
+                </a:effectRef>
+                <a:fontRef idx="minor">
+                  <a:schemeClr val="lt1"/>
+                </a:fontRef>
+              </p:style>
+              <p:txBody>
+                <a:bodyPr spcFirstLastPara="0" vert="horz" wrap="square" lIns="50800" tIns="50800" rIns="50800" bIns="50800" numCol="1" spcCol="1270" anchor="ctr" anchorCtr="0">
+                  <a:noAutofit/>
+                </a:bodyPr>
+                <a:lstStyle/>
+                <a:p>
+                  <a:pPr lvl="0" algn="ctr" defTabSz="1778000">
+                    <a:lnSpc>
+                      <a:spcPct val="90000"/>
+                    </a:lnSpc>
+                    <a:spcBef>
+                      <a:spcPct val="0"/>
+                    </a:spcBef>
+                    <a:spcAft>
+                      <a:spcPct val="35000"/>
+                    </a:spcAft>
+                  </a:pPr>
+                  <a:r>
+                    <a:rPr lang="en-US" dirty="0" smtClean="0"/>
+                    <a:t>RPROP Neural Network</a:t>
+                  </a:r>
+                  <a:endParaRPr lang="en-US" kern="1200" dirty="0" smtClean="0"/>
+                </a:p>
+              </p:txBody>
+            </p:sp>
+          </p:grpSp>
+          <p:grpSp>
+            <p:nvGrpSpPr>
+              <p:cNvPr id="10" name="Group 9"/>
+              <p:cNvGrpSpPr/>
+              <p:nvPr/>
+            </p:nvGrpSpPr>
+            <p:grpSpPr>
+              <a:xfrm>
+                <a:off x="9875977" y="3958466"/>
+                <a:ext cx="327494" cy="383106"/>
+                <a:chOff x="1450338" y="1221610"/>
+                <a:chExt cx="327494" cy="383106"/>
+              </a:xfrm>
+            </p:grpSpPr>
+            <p:sp>
+              <p:nvSpPr>
+                <p:cNvPr id="14" name="Right Arrow 13"/>
+                <p:cNvSpPr/>
+                <p:nvPr/>
+              </p:nvSpPr>
+              <p:spPr>
+                <a:xfrm>
+                  <a:off x="1450338" y="1221610"/>
+                  <a:ext cx="327494" cy="383106"/>
+                </a:xfrm>
+                <a:prstGeom prst="rightArrow">
+                  <a:avLst>
+                    <a:gd name="adj1" fmla="val 60000"/>
+                    <a:gd name="adj2" fmla="val 50000"/>
+                  </a:avLst>
+                </a:prstGeom>
+              </p:spPr>
+              <p:style>
+                <a:lnRef idx="0">
+                  <a:schemeClr val="accent1">
+                    <a:tint val="60000"/>
+                    <a:hueOff val="0"/>
+                    <a:satOff val="0"/>
+                    <a:lumOff val="0"/>
+                    <a:alphaOff val="0"/>
+                  </a:schemeClr>
+                </a:lnRef>
+                <a:fillRef idx="1">
+                  <a:schemeClr val="accent1">
+                    <a:tint val="60000"/>
+                    <a:hueOff val="0"/>
+                    <a:satOff val="0"/>
+                    <a:lumOff val="0"/>
+                    <a:alphaOff val="0"/>
+                  </a:schemeClr>
+                </a:fillRef>
+                <a:effectRef idx="0">
+                  <a:schemeClr val="accent1">
+                    <a:tint val="60000"/>
+                    <a:hueOff val="0"/>
+                    <a:satOff val="0"/>
+                    <a:lumOff val="0"/>
+                    <a:alphaOff val="0"/>
+                  </a:schemeClr>
+                </a:effectRef>
+                <a:fontRef idx="minor">
+                  <a:schemeClr val="lt1"/>
+                </a:fontRef>
+              </p:style>
+            </p:sp>
+            <p:sp>
+              <p:nvSpPr>
+                <p:cNvPr id="15" name="Right Arrow 4"/>
+                <p:cNvSpPr/>
+                <p:nvPr/>
+              </p:nvSpPr>
+              <p:spPr>
+                <a:xfrm>
+                  <a:off x="1450338" y="1298231"/>
+                  <a:ext cx="229246" cy="229864"/>
+                </a:xfrm>
+                <a:prstGeom prst="rect">
+                  <a:avLst/>
+                </a:prstGeom>
+              </p:spPr>
+              <p:style>
+                <a:lnRef idx="0">
+                  <a:scrgbClr r="0" g="0" b="0"/>
+                </a:lnRef>
+                <a:fillRef idx="0">
+                  <a:scrgbClr r="0" g="0" b="0"/>
+                </a:fillRef>
+                <a:effectRef idx="0">
+                  <a:scrgbClr r="0" g="0" b="0"/>
+                </a:effectRef>
+                <a:fontRef idx="minor">
+                  <a:schemeClr val="lt1"/>
+                </a:fontRef>
+              </p:style>
+              <p:txBody>
+                <a:bodyPr spcFirstLastPara="0" vert="horz" wrap="square" lIns="0" tIns="0" rIns="0" bIns="0" numCol="1" spcCol="1270" anchor="ctr" anchorCtr="0">
+                  <a:noAutofit/>
+                </a:bodyPr>
+                <a:lstStyle/>
+                <a:p>
+                  <a:pPr lvl="0" algn="ctr" defTabSz="488950">
+                    <a:lnSpc>
+                      <a:spcPct val="90000"/>
+                    </a:lnSpc>
+                    <a:spcBef>
+                      <a:spcPct val="0"/>
+                    </a:spcBef>
+                    <a:spcAft>
+                      <a:spcPct val="35000"/>
+                    </a:spcAft>
+                  </a:pPr>
+                  <a:endParaRPr lang="en-US" sz="1100" kern="1200" dirty="0"/>
+                </a:p>
+              </p:txBody>
+            </p:sp>
+          </p:grpSp>
+        </p:grpSp>
+        <p:grpSp>
+          <p:nvGrpSpPr>
+            <p:cNvPr id="11" name="Group 10"/>
+            <p:cNvGrpSpPr/>
+            <p:nvPr/>
+          </p:nvGrpSpPr>
+          <p:grpSpPr>
+            <a:xfrm>
+              <a:off x="9606778" y="3513322"/>
+              <a:ext cx="2348326" cy="2080489"/>
+              <a:chOff x="9133141" y="1624301"/>
+              <a:chExt cx="1699372" cy="1502956"/>
+            </a:xfrm>
+          </p:grpSpPr>
+          <p:pic>
+            <p:nvPicPr>
+              <p:cNvPr id="12" name="Picture 11"/>
+              <p:cNvPicPr>
+                <a:picLocks noChangeAspect="1"/>
+              </p:cNvPicPr>
+              <p:nvPr/>
+            </p:nvPicPr>
+            <p:blipFill>
+              <a:blip r:embed="rId3" cstate="print">
+                <a:extLst>
+                  <a:ext uri="{28A0092B-C50C-407E-A947-70E740481C1C}">
+                    <a14:useLocalDpi xmlns:a14="http://schemas.microsoft.com/office/drawing/2010/main" val="0"/>
+                  </a:ext>
+                </a:extLst>
+              </a:blip>
+              <a:stretch>
+                <a:fillRect/>
+              </a:stretch>
+            </p:blipFill>
+            <p:spPr>
+              <a:xfrm>
+                <a:off x="9148687" y="1624301"/>
+                <a:ext cx="1683826" cy="843951"/>
+              </a:xfrm>
+              <a:prstGeom prst="roundRect">
+                <a:avLst>
+                  <a:gd name="adj" fmla="val 8594"/>
+                </a:avLst>
+              </a:prstGeom>
+              <a:solidFill>
+                <a:srgbClr val="FFFFFF">
+                  <a:shade val="85000"/>
+                </a:srgbClr>
+              </a:solidFill>
+              <a:ln>
+                <a:noFill/>
+              </a:ln>
+              <a:effectLst>
+                <a:reflection blurRad="12700" stA="38000" endPos="28000" dist="5000" dir="5400000" sy="-100000" algn="bl" rotWithShape="0"/>
+              </a:effectLst>
+            </p:spPr>
+          </p:pic>
+          <p:sp>
+            <p:nvSpPr>
+              <p:cNvPr id="13" name="TextBox 12"/>
+              <p:cNvSpPr txBox="1"/>
+              <p:nvPr/>
+            </p:nvSpPr>
+            <p:spPr>
+              <a:xfrm>
+                <a:off x="9133141" y="2480926"/>
+                <a:ext cx="1666931" cy="646331"/>
+              </a:xfrm>
+              <a:prstGeom prst="rect">
+                <a:avLst/>
+              </a:prstGeom>
+              <a:noFill/>
+            </p:spPr>
+            <p:txBody>
+              <a:bodyPr wrap="square" rtlCol="0">
+                <a:spAutoFit/>
+              </a:bodyPr>
+              <a:lstStyle/>
+              <a:p>
+                <a:pPr algn="ctr"/>
+                <a:r>
+                  <a:rPr lang="en-US" dirty="0" smtClean="0"/>
+                  <a:t>3D Position &amp; Orientation</a:t>
+                </a:r>
+                <a:endParaRPr lang="en-US" dirty="0"/>
+              </a:p>
+            </p:txBody>
+          </p:sp>
+        </p:grpSp>
+        <p:grpSp>
+          <p:nvGrpSpPr>
+            <p:cNvPr id="32" name="Group 31"/>
+            <p:cNvGrpSpPr/>
+            <p:nvPr/>
+          </p:nvGrpSpPr>
+          <p:grpSpPr>
+            <a:xfrm>
+              <a:off x="3140544" y="3552980"/>
+              <a:ext cx="2167347" cy="936692"/>
+              <a:chOff x="7937876" y="3654036"/>
+              <a:chExt cx="2167347" cy="936692"/>
+            </a:xfrm>
+          </p:grpSpPr>
+          <p:grpSp>
+            <p:nvGrpSpPr>
+              <p:cNvPr id="33" name="Group 32"/>
+              <p:cNvGrpSpPr/>
+              <p:nvPr/>
+            </p:nvGrpSpPr>
+            <p:grpSpPr>
+              <a:xfrm>
+                <a:off x="7937876" y="3958466"/>
+                <a:ext cx="327494" cy="383106"/>
+                <a:chOff x="1450338" y="1221610"/>
+                <a:chExt cx="327494" cy="383106"/>
+              </a:xfrm>
+            </p:grpSpPr>
+            <p:sp>
+              <p:nvSpPr>
+                <p:cNvPr id="40" name="Right Arrow 39"/>
+                <p:cNvSpPr/>
+                <p:nvPr/>
+              </p:nvSpPr>
+              <p:spPr>
+                <a:xfrm>
+                  <a:off x="1450338" y="1221610"/>
+                  <a:ext cx="327494" cy="383106"/>
+                </a:xfrm>
+                <a:prstGeom prst="rightArrow">
+                  <a:avLst>
+                    <a:gd name="adj1" fmla="val 60000"/>
+                    <a:gd name="adj2" fmla="val 50000"/>
+                  </a:avLst>
+                </a:prstGeom>
+              </p:spPr>
+              <p:style>
+                <a:lnRef idx="0">
+                  <a:schemeClr val="accent1">
+                    <a:tint val="60000"/>
+                    <a:hueOff val="0"/>
+                    <a:satOff val="0"/>
+                    <a:lumOff val="0"/>
+                    <a:alphaOff val="0"/>
+                  </a:schemeClr>
+                </a:lnRef>
+                <a:fillRef idx="1">
+                  <a:schemeClr val="accent1">
+                    <a:tint val="60000"/>
+                    <a:hueOff val="0"/>
+                    <a:satOff val="0"/>
+                    <a:lumOff val="0"/>
+                    <a:alphaOff val="0"/>
+                  </a:schemeClr>
+                </a:fillRef>
+                <a:effectRef idx="0">
+                  <a:schemeClr val="accent1">
+                    <a:tint val="60000"/>
+                    <a:hueOff val="0"/>
+                    <a:satOff val="0"/>
+                    <a:lumOff val="0"/>
+                    <a:alphaOff val="0"/>
+                  </a:schemeClr>
+                </a:effectRef>
+                <a:fontRef idx="minor">
+                  <a:schemeClr val="lt1"/>
+                </a:fontRef>
+              </p:style>
+            </p:sp>
+            <p:sp>
+              <p:nvSpPr>
+                <p:cNvPr id="41" name="Right Arrow 4"/>
+                <p:cNvSpPr/>
+                <p:nvPr/>
+              </p:nvSpPr>
+              <p:spPr>
+                <a:xfrm>
+                  <a:off x="1450338" y="1298231"/>
+                  <a:ext cx="229246" cy="229864"/>
+                </a:xfrm>
+                <a:prstGeom prst="rect">
+                  <a:avLst/>
+                </a:prstGeom>
+              </p:spPr>
+              <p:style>
+                <a:lnRef idx="0">
+                  <a:scrgbClr r="0" g="0" b="0"/>
+                </a:lnRef>
+                <a:fillRef idx="0">
+                  <a:scrgbClr r="0" g="0" b="0"/>
+                </a:fillRef>
+                <a:effectRef idx="0">
+                  <a:scrgbClr r="0" g="0" b="0"/>
+                </a:effectRef>
+                <a:fontRef idx="minor">
+                  <a:schemeClr val="lt1"/>
+                </a:fontRef>
+              </p:style>
+              <p:txBody>
+                <a:bodyPr spcFirstLastPara="0" vert="horz" wrap="square" lIns="0" tIns="0" rIns="0" bIns="0" numCol="1" spcCol="1270" anchor="ctr" anchorCtr="0">
+                  <a:noAutofit/>
+                </a:bodyPr>
+                <a:lstStyle/>
+                <a:p>
+                  <a:pPr lvl="0" algn="ctr" defTabSz="488950">
+                    <a:lnSpc>
+                      <a:spcPct val="90000"/>
+                    </a:lnSpc>
+                    <a:spcBef>
+                      <a:spcPct val="0"/>
+                    </a:spcBef>
+                    <a:spcAft>
+                      <a:spcPct val="35000"/>
+                    </a:spcAft>
+                  </a:pPr>
+                  <a:endParaRPr lang="en-US" sz="1100" kern="1200" dirty="0"/>
+                </a:p>
+              </p:txBody>
+            </p:sp>
+          </p:grpSp>
+          <p:sp>
+            <p:nvSpPr>
+              <p:cNvPr id="39" name="Oval 4"/>
               <p:cNvSpPr/>
               <p:nvPr/>
             </p:nvSpPr>
             <p:spPr>
               <a:xfrm>
-                <a:off x="1450338" y="1221610"/>
-                <a:ext cx="327494" cy="383106"/>
+                <a:off x="8553203" y="3654036"/>
+                <a:ext cx="936692" cy="936692"/>
               </a:xfrm>
-              <a:prstGeom prst="rightArrow">
-                <a:avLst>
-                  <a:gd name="adj1" fmla="val 60000"/>
-                  <a:gd name="adj2" fmla="val 50000"/>
-                </a:avLst>
+              <a:prstGeom prst="rect">
+                <a:avLst/>
               </a:prstGeom>
             </p:spPr>
             <p:style>
               <a:lnRef idx="0">
-                <a:schemeClr val="accent1">
-                  <a:tint val="60000"/>
-                  <a:hueOff val="0"/>
-                  <a:satOff val="0"/>
-                  <a:lumOff val="0"/>
-                  <a:alphaOff val="0"/>
-                </a:schemeClr>
+                <a:scrgbClr r="0" g="0" b="0"/>
               </a:lnRef>
-              <a:fillRef idx="1">
-                <a:schemeClr val="accent1">
-                  <a:tint val="60000"/>
-                  <a:hueOff val="0"/>
-                  <a:satOff val="0"/>
-                  <a:lumOff val="0"/>
-                  <a:alphaOff val="0"/>
-                </a:schemeClr>
+              <a:fillRef idx="0">
+                <a:scrgbClr r="0" g="0" b="0"/>
               </a:fillRef>
               <a:effectRef idx="0">
-                <a:schemeClr val="accent1">
-                  <a:tint val="60000"/>
-                  <a:hueOff val="0"/>
-                  <a:satOff val="0"/>
-                  <a:lumOff val="0"/>
-                  <a:alphaOff val="0"/>
-                </a:schemeClr>
+                <a:scrgbClr r="0" g="0" b="0"/>
               </a:effectRef>
               <a:fontRef idx="minor">
                 <a:schemeClr val="lt1"/>
               </a:fontRef>
             </p:style>
+            <p:txBody>
+              <a:bodyPr spcFirstLastPara="0" vert="horz" wrap="square" lIns="50800" tIns="50800" rIns="50800" bIns="50800" numCol="1" spcCol="1270" anchor="ctr" anchorCtr="0">
+                <a:noAutofit/>
+              </a:bodyPr>
+              <a:lstStyle/>
+              <a:p>
+                <a:pPr lvl="0" algn="ctr" defTabSz="1778000">
+                  <a:lnSpc>
+                    <a:spcPct val="90000"/>
+                  </a:lnSpc>
+                  <a:spcBef>
+                    <a:spcPct val="0"/>
+                  </a:spcBef>
+                  <a:spcAft>
+                    <a:spcPct val="35000"/>
+                  </a:spcAft>
+                </a:pPr>
+                <a:r>
+                  <a:rPr lang="en-US" sz="1400" dirty="0" smtClean="0"/>
+                  <a:t>2D Covariance Matrix</a:t>
+                </a:r>
+                <a:endParaRPr lang="en-US" sz="1400" kern="1200" dirty="0" smtClean="0"/>
+              </a:p>
+            </p:txBody>
           </p:sp>
           <p:sp>
             <p:nvSpPr>
-              <p:cNvPr id="19" name="Right Arrow 4"/>
+              <p:cNvPr id="37" name="Right Arrow 4"/>
               <p:cNvSpPr/>
               <p:nvPr/>
             </p:nvSpPr>
             <p:spPr>
               <a:xfrm>
-                <a:off x="1450338" y="1298231"/>
+                <a:off x="9875977" y="4035087"/>
                 <a:ext cx="229246" cy="229864"/>
               </a:xfrm>
               <a:prstGeom prst="rect">
@@ -7771,991 +8390,435 @@
         </p:grpSp>
         <p:grpSp>
           <p:nvGrpSpPr>
-            <p:cNvPr id="9" name="Group 8"/>
-            <p:cNvGrpSpPr>
-              <a:grpSpLocks noChangeAspect="1"/>
-            </p:cNvGrpSpPr>
+            <p:cNvPr id="45" name="Group 44"/>
+            <p:cNvGrpSpPr/>
             <p:nvPr/>
           </p:nvGrpSpPr>
           <p:grpSpPr>
             <a:xfrm>
-              <a:off x="8359208" y="3460041"/>
-              <a:ext cx="1324683" cy="1324683"/>
-              <a:chOff x="1913774" y="383307"/>
-              <a:chExt cx="2059713" cy="2059713"/>
+              <a:off x="-2571639" y="3849875"/>
+              <a:ext cx="13607380" cy="1026858"/>
+              <a:chOff x="-3650358" y="1783675"/>
+              <a:chExt cx="13607380" cy="1026858"/>
             </a:xfrm>
           </p:grpSpPr>
-          <p:sp>
-            <p:nvSpPr>
-              <p:cNvPr id="16" name="Oval 15"/>
-              <p:cNvSpPr/>
+          <p:pic>
+            <p:nvPicPr>
+              <p:cNvPr id="43" name="Picture 42"/>
+              <p:cNvPicPr>
+                <a:picLocks noChangeAspect="1"/>
+              </p:cNvPicPr>
               <p:nvPr/>
-            </p:nvSpPr>
+            </p:nvPicPr>
+            <p:blipFill>
+              <a:blip r:embed="rId4"/>
+              <a:stretch>
+                <a:fillRect/>
+              </a:stretch>
+            </p:blipFill>
             <p:spPr>
               <a:xfrm>
-                <a:off x="1913774" y="383307"/>
-                <a:ext cx="2059713" cy="2059713"/>
-              </a:xfrm>
-              <a:prstGeom prst="ellipse">
-                <a:avLst/>
-              </a:prstGeom>
-            </p:spPr>
-            <p:style>
-              <a:lnRef idx="2">
-                <a:schemeClr val="lt1">
-                  <a:hueOff val="0"/>
-                  <a:satOff val="0"/>
-                  <a:lumOff val="0"/>
-                  <a:alphaOff val="0"/>
-                </a:schemeClr>
-              </a:lnRef>
-              <a:fillRef idx="1">
-                <a:schemeClr val="accent1">
-                  <a:hueOff val="0"/>
-                  <a:satOff val="0"/>
-                  <a:lumOff val="0"/>
-                  <a:alphaOff val="0"/>
-                </a:schemeClr>
-              </a:fillRef>
-              <a:effectRef idx="0">
-                <a:schemeClr val="accent1">
-                  <a:hueOff val="0"/>
-                  <a:satOff val="0"/>
-                  <a:lumOff val="0"/>
-                  <a:alphaOff val="0"/>
-                </a:schemeClr>
-              </a:effectRef>
-              <a:fontRef idx="minor">
-                <a:schemeClr val="lt1"/>
-              </a:fontRef>
-            </p:style>
-          </p:sp>
-          <p:sp>
-            <p:nvSpPr>
-              <p:cNvPr id="17" name="Oval 4"/>
-              <p:cNvSpPr/>
-              <p:nvPr/>
-            </p:nvSpPr>
-            <p:spPr>
-              <a:xfrm>
-                <a:off x="2215412" y="684945"/>
-                <a:ext cx="1456437" cy="1456437"/>
+                <a:off x="-3650358" y="1783675"/>
+                <a:ext cx="13607380" cy="637314"/>
               </a:xfrm>
               <a:prstGeom prst="rect">
                 <a:avLst/>
               </a:prstGeom>
             </p:spPr>
-            <p:style>
-              <a:lnRef idx="0">
-                <a:scrgbClr r="0" g="0" b="0"/>
-              </a:lnRef>
-              <a:fillRef idx="0">
-                <a:scrgbClr r="0" g="0" b="0"/>
-              </a:fillRef>
-              <a:effectRef idx="0">
-                <a:scrgbClr r="0" g="0" b="0"/>
-              </a:effectRef>
-              <a:fontRef idx="minor">
-                <a:schemeClr val="lt1"/>
-              </a:fontRef>
-            </p:style>
+          </p:pic>
+          <p:sp>
+            <p:nvSpPr>
+              <p:cNvPr id="44" name="TextBox 43"/>
+              <p:cNvSpPr txBox="1"/>
+              <p:nvPr/>
+            </p:nvSpPr>
+            <p:spPr>
+              <a:xfrm>
+                <a:off x="2319866" y="2164202"/>
+                <a:ext cx="1666931" cy="646331"/>
+              </a:xfrm>
+              <a:prstGeom prst="rect">
+                <a:avLst/>
+              </a:prstGeom>
+              <a:noFill/>
+            </p:spPr>
             <p:txBody>
-              <a:bodyPr spcFirstLastPara="0" vert="horz" wrap="square" lIns="50800" tIns="50800" rIns="50800" bIns="50800" numCol="1" spcCol="1270" anchor="ctr" anchorCtr="0">
-                <a:noAutofit/>
+              <a:bodyPr wrap="square" rtlCol="0">
+                <a:spAutoFit/>
               </a:bodyPr>
               <a:lstStyle/>
               <a:p>
-                <a:pPr lvl="0" algn="ctr" defTabSz="1778000">
-                  <a:lnSpc>
-                    <a:spcPct val="90000"/>
-                  </a:lnSpc>
-                  <a:spcBef>
-                    <a:spcPct val="0"/>
-                  </a:spcBef>
-                  <a:spcAft>
-                    <a:spcPct val="35000"/>
-                  </a:spcAft>
-                </a:pPr>
+                <a:pPr algn="ctr"/>
                 <a:r>
                   <a:rPr lang="en-US" dirty="0" smtClean="0"/>
-                  <a:t>RPROP Neural Network</a:t>
+                  <a:t>2D Covariance Matrix</a:t>
                 </a:r>
-                <a:endParaRPr lang="en-US" kern="1200" dirty="0" smtClean="0"/>
+                <a:endParaRPr lang="en-US" dirty="0"/>
               </a:p>
             </p:txBody>
           </p:sp>
         </p:grpSp>
         <p:grpSp>
           <p:nvGrpSpPr>
-            <p:cNvPr id="10" name="Group 9"/>
+            <p:cNvPr id="34" name="Group 33"/>
             <p:cNvGrpSpPr/>
             <p:nvPr/>
           </p:nvGrpSpPr>
           <p:grpSpPr>
             <a:xfrm>
-              <a:off x="9875977" y="3958466"/>
-              <a:ext cx="327494" cy="383106"/>
-              <a:chOff x="1450338" y="1221610"/>
-              <a:chExt cx="327494" cy="383106"/>
+              <a:off x="5190594" y="3386620"/>
+              <a:ext cx="2265595" cy="1324683"/>
+              <a:chOff x="7937876" y="3460041"/>
+              <a:chExt cx="2265595" cy="1324683"/>
             </a:xfrm>
           </p:grpSpPr>
-          <p:sp>
-            <p:nvSpPr>
-              <p:cNvPr id="14" name="Right Arrow 13"/>
-              <p:cNvSpPr/>
+          <p:grpSp>
+            <p:nvGrpSpPr>
+              <p:cNvPr id="35" name="Group 34"/>
+              <p:cNvGrpSpPr/>
               <p:nvPr/>
-            </p:nvSpPr>
-            <p:spPr>
+            </p:nvGrpSpPr>
+            <p:grpSpPr>
               <a:xfrm>
-                <a:off x="1450338" y="1221610"/>
+                <a:off x="7937876" y="3958466"/>
                 <a:ext cx="327494" cy="383106"/>
+                <a:chOff x="1450338" y="1221610"/>
+                <a:chExt cx="327494" cy="383106"/>
               </a:xfrm>
-              <a:prstGeom prst="rightArrow">
-                <a:avLst>
-                  <a:gd name="adj1" fmla="val 60000"/>
-                  <a:gd name="adj2" fmla="val 50000"/>
-                </a:avLst>
-              </a:prstGeom>
-            </p:spPr>
-            <p:style>
-              <a:lnRef idx="0">
-                <a:schemeClr val="accent1">
-                  <a:tint val="60000"/>
-                  <a:hueOff val="0"/>
-                  <a:satOff val="0"/>
-                  <a:lumOff val="0"/>
-                  <a:alphaOff val="0"/>
-                </a:schemeClr>
-              </a:lnRef>
-              <a:fillRef idx="1">
-                <a:schemeClr val="accent1">
-                  <a:tint val="60000"/>
-                  <a:hueOff val="0"/>
-                  <a:satOff val="0"/>
-                  <a:lumOff val="0"/>
-                  <a:alphaOff val="0"/>
-                </a:schemeClr>
-              </a:fillRef>
-              <a:effectRef idx="0">
-                <a:schemeClr val="accent1">
-                  <a:tint val="60000"/>
-                  <a:hueOff val="0"/>
-                  <a:satOff val="0"/>
-                  <a:lumOff val="0"/>
-                  <a:alphaOff val="0"/>
-                </a:schemeClr>
-              </a:effectRef>
-              <a:fontRef idx="minor">
-                <a:schemeClr val="lt1"/>
-              </a:fontRef>
-            </p:style>
-          </p:sp>
-          <p:sp>
-            <p:nvSpPr>
-              <p:cNvPr id="15" name="Right Arrow 4"/>
-              <p:cNvSpPr/>
+            </p:grpSpPr>
+            <p:sp>
+              <p:nvSpPr>
+                <p:cNvPr id="50" name="Right Arrow 49"/>
+                <p:cNvSpPr/>
+                <p:nvPr/>
+              </p:nvSpPr>
+              <p:spPr>
+                <a:xfrm>
+                  <a:off x="1450338" y="1221610"/>
+                  <a:ext cx="327494" cy="383106"/>
+                </a:xfrm>
+                <a:prstGeom prst="rightArrow">
+                  <a:avLst>
+                    <a:gd name="adj1" fmla="val 60000"/>
+                    <a:gd name="adj2" fmla="val 50000"/>
+                  </a:avLst>
+                </a:prstGeom>
+              </p:spPr>
+              <p:style>
+                <a:lnRef idx="0">
+                  <a:schemeClr val="accent1">
+                    <a:tint val="60000"/>
+                    <a:hueOff val="0"/>
+                    <a:satOff val="0"/>
+                    <a:lumOff val="0"/>
+                    <a:alphaOff val="0"/>
+                  </a:schemeClr>
+                </a:lnRef>
+                <a:fillRef idx="1">
+                  <a:schemeClr val="accent1">
+                    <a:tint val="60000"/>
+                    <a:hueOff val="0"/>
+                    <a:satOff val="0"/>
+                    <a:lumOff val="0"/>
+                    <a:alphaOff val="0"/>
+                  </a:schemeClr>
+                </a:fillRef>
+                <a:effectRef idx="0">
+                  <a:schemeClr val="accent1">
+                    <a:tint val="60000"/>
+                    <a:hueOff val="0"/>
+                    <a:satOff val="0"/>
+                    <a:lumOff val="0"/>
+                    <a:alphaOff val="0"/>
+                  </a:schemeClr>
+                </a:effectRef>
+                <a:fontRef idx="minor">
+                  <a:schemeClr val="lt1"/>
+                </a:fontRef>
+              </p:style>
+            </p:sp>
+            <p:sp>
+              <p:nvSpPr>
+                <p:cNvPr id="51" name="Right Arrow 4"/>
+                <p:cNvSpPr/>
+                <p:nvPr/>
+              </p:nvSpPr>
+              <p:spPr>
+                <a:xfrm>
+                  <a:off x="1450338" y="1298231"/>
+                  <a:ext cx="229246" cy="229864"/>
+                </a:xfrm>
+                <a:prstGeom prst="rect">
+                  <a:avLst/>
+                </a:prstGeom>
+              </p:spPr>
+              <p:style>
+                <a:lnRef idx="0">
+                  <a:scrgbClr r="0" g="0" b="0"/>
+                </a:lnRef>
+                <a:fillRef idx="0">
+                  <a:scrgbClr r="0" g="0" b="0"/>
+                </a:fillRef>
+                <a:effectRef idx="0">
+                  <a:scrgbClr r="0" g="0" b="0"/>
+                </a:effectRef>
+                <a:fontRef idx="minor">
+                  <a:schemeClr val="lt1"/>
+                </a:fontRef>
+              </p:style>
+              <p:txBody>
+                <a:bodyPr spcFirstLastPara="0" vert="horz" wrap="square" lIns="0" tIns="0" rIns="0" bIns="0" numCol="1" spcCol="1270" anchor="ctr" anchorCtr="0">
+                  <a:noAutofit/>
+                </a:bodyPr>
+                <a:lstStyle/>
+                <a:p>
+                  <a:pPr lvl="0" algn="ctr" defTabSz="488950">
+                    <a:lnSpc>
+                      <a:spcPct val="90000"/>
+                    </a:lnSpc>
+                    <a:spcBef>
+                      <a:spcPct val="0"/>
+                    </a:spcBef>
+                    <a:spcAft>
+                      <a:spcPct val="35000"/>
+                    </a:spcAft>
+                  </a:pPr>
+                  <a:endParaRPr lang="en-US" sz="1100" kern="1200" dirty="0"/>
+                </a:p>
+              </p:txBody>
+            </p:sp>
+          </p:grpSp>
+          <p:grpSp>
+            <p:nvGrpSpPr>
+              <p:cNvPr id="36" name="Group 35"/>
+              <p:cNvGrpSpPr>
+                <a:grpSpLocks noChangeAspect="1"/>
+              </p:cNvGrpSpPr>
               <p:nvPr/>
-            </p:nvSpPr>
-            <p:spPr>
+            </p:nvGrpSpPr>
+            <p:grpSpPr>
               <a:xfrm>
-                <a:off x="1450338" y="1298231"/>
-                <a:ext cx="229246" cy="229864"/>
+                <a:off x="8359208" y="3460041"/>
+                <a:ext cx="1324683" cy="1324683"/>
+                <a:chOff x="1913774" y="383307"/>
+                <a:chExt cx="2059713" cy="2059713"/>
               </a:xfrm>
-              <a:prstGeom prst="rect">
-                <a:avLst/>
-              </a:prstGeom>
-            </p:spPr>
-            <p:style>
-              <a:lnRef idx="0">
-                <a:scrgbClr r="0" g="0" b="0"/>
-              </a:lnRef>
-              <a:fillRef idx="0">
-                <a:scrgbClr r="0" g="0" b="0"/>
-              </a:fillRef>
-              <a:effectRef idx="0">
-                <a:scrgbClr r="0" g="0" b="0"/>
-              </a:effectRef>
-              <a:fontRef idx="minor">
-                <a:schemeClr val="lt1"/>
-              </a:fontRef>
-            </p:style>
-            <p:txBody>
-              <a:bodyPr spcFirstLastPara="0" vert="horz" wrap="square" lIns="0" tIns="0" rIns="0" bIns="0" numCol="1" spcCol="1270" anchor="ctr" anchorCtr="0">
-                <a:noAutofit/>
-              </a:bodyPr>
-              <a:lstStyle/>
-              <a:p>
-                <a:pPr lvl="0" algn="ctr" defTabSz="488950">
-                  <a:lnSpc>
-                    <a:spcPct val="90000"/>
-                  </a:lnSpc>
-                  <a:spcBef>
-                    <a:spcPct val="0"/>
-                  </a:spcBef>
-                  <a:spcAft>
-                    <a:spcPct val="35000"/>
-                  </a:spcAft>
-                </a:pPr>
-                <a:endParaRPr lang="en-US" sz="1100" kern="1200" dirty="0"/>
-              </a:p>
-            </p:txBody>
-          </p:sp>
-        </p:grpSp>
-      </p:grpSp>
-      <p:grpSp>
-        <p:nvGrpSpPr>
-          <p:cNvPr id="11" name="Group 10"/>
-          <p:cNvGrpSpPr/>
-          <p:nvPr/>
-        </p:nvGrpSpPr>
-        <p:grpSpPr>
-          <a:xfrm>
-            <a:off x="9606778" y="3513322"/>
-            <a:ext cx="2348326" cy="2080489"/>
-            <a:chOff x="9133141" y="1624301"/>
-            <a:chExt cx="1699372" cy="1502956"/>
-          </a:xfrm>
-        </p:grpSpPr>
-        <p:pic>
-          <p:nvPicPr>
-            <p:cNvPr id="12" name="Picture 11"/>
-            <p:cNvPicPr>
-              <a:picLocks noChangeAspect="1"/>
-            </p:cNvPicPr>
-            <p:nvPr/>
-          </p:nvPicPr>
-          <p:blipFill>
-            <a:blip r:embed="rId3" cstate="print">
-              <a:extLst>
-                <a:ext uri="{28A0092B-C50C-407E-A947-70E740481C1C}">
-                  <a14:useLocalDpi xmlns:a14="http://schemas.microsoft.com/office/drawing/2010/main" val="0"/>
-                </a:ext>
-              </a:extLst>
-            </a:blip>
-            <a:stretch>
-              <a:fillRect/>
-            </a:stretch>
-          </p:blipFill>
-          <p:spPr>
-            <a:xfrm>
-              <a:off x="9148687" y="1624301"/>
-              <a:ext cx="1683826" cy="843951"/>
-            </a:xfrm>
-            <a:prstGeom prst="roundRect">
-              <a:avLst>
-                <a:gd name="adj" fmla="val 8594"/>
-              </a:avLst>
-            </a:prstGeom>
-            <a:solidFill>
-              <a:srgbClr val="FFFFFF">
-                <a:shade val="85000"/>
-              </a:srgbClr>
-            </a:solidFill>
-            <a:ln>
-              <a:noFill/>
-            </a:ln>
-            <a:effectLst>
-              <a:reflection blurRad="12700" stA="38000" endPos="28000" dist="5000" dir="5400000" sy="-100000" algn="bl" rotWithShape="0"/>
-            </a:effectLst>
-          </p:spPr>
-        </p:pic>
-        <p:sp>
-          <p:nvSpPr>
-            <p:cNvPr id="13" name="TextBox 12"/>
-            <p:cNvSpPr txBox="1"/>
-            <p:nvPr/>
-          </p:nvSpPr>
-          <p:spPr>
-            <a:xfrm>
-              <a:off x="9133141" y="2480926"/>
-              <a:ext cx="1666931" cy="646331"/>
-            </a:xfrm>
-            <a:prstGeom prst="rect">
-              <a:avLst/>
-            </a:prstGeom>
-            <a:noFill/>
-          </p:spPr>
-          <p:txBody>
-            <a:bodyPr wrap="square" rtlCol="0">
-              <a:spAutoFit/>
-            </a:bodyPr>
-            <a:lstStyle/>
-            <a:p>
-              <a:pPr algn="ctr"/>
-              <a:r>
-                <a:rPr lang="en-US" dirty="0" smtClean="0"/>
-                <a:t>3D Position &amp; Orientation</a:t>
-              </a:r>
-              <a:endParaRPr lang="en-US" dirty="0"/>
-            </a:p>
-          </p:txBody>
-        </p:sp>
-      </p:grpSp>
-      <p:grpSp>
-        <p:nvGrpSpPr>
-          <p:cNvPr id="32" name="Group 31"/>
-          <p:cNvGrpSpPr/>
-          <p:nvPr/>
-        </p:nvGrpSpPr>
-        <p:grpSpPr>
-          <a:xfrm>
-            <a:off x="3140544" y="3552980"/>
-            <a:ext cx="2167347" cy="936692"/>
-            <a:chOff x="7937876" y="3654036"/>
-            <a:chExt cx="2167347" cy="936692"/>
-          </a:xfrm>
-        </p:grpSpPr>
-        <p:grpSp>
-          <p:nvGrpSpPr>
-            <p:cNvPr id="33" name="Group 32"/>
-            <p:cNvGrpSpPr/>
-            <p:nvPr/>
-          </p:nvGrpSpPr>
-          <p:grpSpPr>
-            <a:xfrm>
-              <a:off x="7937876" y="3958466"/>
-              <a:ext cx="327494" cy="383106"/>
-              <a:chOff x="1450338" y="1221610"/>
-              <a:chExt cx="327494" cy="383106"/>
-            </a:xfrm>
-          </p:grpSpPr>
-          <p:sp>
-            <p:nvSpPr>
-              <p:cNvPr id="40" name="Right Arrow 39"/>
-              <p:cNvSpPr/>
+            </p:grpSpPr>
+            <p:sp>
+              <p:nvSpPr>
+                <p:cNvPr id="48" name="Oval 47"/>
+                <p:cNvSpPr/>
+                <p:nvPr/>
+              </p:nvSpPr>
+              <p:spPr>
+                <a:xfrm>
+                  <a:off x="1913774" y="383307"/>
+                  <a:ext cx="2059713" cy="2059713"/>
+                </a:xfrm>
+                <a:prstGeom prst="ellipse">
+                  <a:avLst/>
+                </a:prstGeom>
+              </p:spPr>
+              <p:style>
+                <a:lnRef idx="2">
+                  <a:schemeClr val="lt1">
+                    <a:hueOff val="0"/>
+                    <a:satOff val="0"/>
+                    <a:lumOff val="0"/>
+                    <a:alphaOff val="0"/>
+                  </a:schemeClr>
+                </a:lnRef>
+                <a:fillRef idx="1">
+                  <a:schemeClr val="accent1">
+                    <a:hueOff val="0"/>
+                    <a:satOff val="0"/>
+                    <a:lumOff val="0"/>
+                    <a:alphaOff val="0"/>
+                  </a:schemeClr>
+                </a:fillRef>
+                <a:effectRef idx="0">
+                  <a:schemeClr val="accent1">
+                    <a:hueOff val="0"/>
+                    <a:satOff val="0"/>
+                    <a:lumOff val="0"/>
+                    <a:alphaOff val="0"/>
+                  </a:schemeClr>
+                </a:effectRef>
+                <a:fontRef idx="minor">
+                  <a:schemeClr val="lt1"/>
+                </a:fontRef>
+              </p:style>
+            </p:sp>
+            <p:sp>
+              <p:nvSpPr>
+                <p:cNvPr id="49" name="Oval 4"/>
+                <p:cNvSpPr/>
+                <p:nvPr/>
+              </p:nvSpPr>
+              <p:spPr>
+                <a:xfrm>
+                  <a:off x="2215412" y="684945"/>
+                  <a:ext cx="1456437" cy="1456437"/>
+                </a:xfrm>
+                <a:prstGeom prst="rect">
+                  <a:avLst/>
+                </a:prstGeom>
+              </p:spPr>
+              <p:style>
+                <a:lnRef idx="0">
+                  <a:scrgbClr r="0" g="0" b="0"/>
+                </a:lnRef>
+                <a:fillRef idx="0">
+                  <a:scrgbClr r="0" g="0" b="0"/>
+                </a:fillRef>
+                <a:effectRef idx="0">
+                  <a:scrgbClr r="0" g="0" b="0"/>
+                </a:effectRef>
+                <a:fontRef idx="minor">
+                  <a:schemeClr val="lt1"/>
+                </a:fontRef>
+              </p:style>
+              <p:txBody>
+                <a:bodyPr spcFirstLastPara="0" vert="horz" wrap="square" lIns="50800" tIns="50800" rIns="50800" bIns="50800" numCol="1" spcCol="1270" anchor="ctr" anchorCtr="0">
+                  <a:noAutofit/>
+                </a:bodyPr>
+                <a:lstStyle/>
+                <a:p>
+                  <a:pPr lvl="0" algn="ctr" defTabSz="1778000">
+                    <a:lnSpc>
+                      <a:spcPct val="90000"/>
+                    </a:lnSpc>
+                    <a:spcBef>
+                      <a:spcPct val="0"/>
+                    </a:spcBef>
+                    <a:spcAft>
+                      <a:spcPct val="35000"/>
+                    </a:spcAft>
+                  </a:pPr>
+                  <a:r>
+                    <a:rPr lang="en-US" sz="1600" dirty="0" smtClean="0"/>
+                    <a:t>6-Way Reference Heuristic</a:t>
+                  </a:r>
+                </a:p>
+              </p:txBody>
+            </p:sp>
+          </p:grpSp>
+          <p:grpSp>
+            <p:nvGrpSpPr>
+              <p:cNvPr id="38" name="Group 37"/>
+              <p:cNvGrpSpPr/>
               <p:nvPr/>
-            </p:nvSpPr>
-            <p:spPr>
+            </p:nvGrpSpPr>
+            <p:grpSpPr>
               <a:xfrm>
-                <a:off x="1450338" y="1221610"/>
+                <a:off x="9875977" y="3958466"/>
                 <a:ext cx="327494" cy="383106"/>
+                <a:chOff x="1450338" y="1221610"/>
+                <a:chExt cx="327494" cy="383106"/>
               </a:xfrm>
-              <a:prstGeom prst="rightArrow">
-                <a:avLst>
-                  <a:gd name="adj1" fmla="val 60000"/>
-                  <a:gd name="adj2" fmla="val 50000"/>
-                </a:avLst>
-              </a:prstGeom>
-            </p:spPr>
-            <p:style>
-              <a:lnRef idx="0">
-                <a:schemeClr val="accent1">
-                  <a:tint val="60000"/>
-                  <a:hueOff val="0"/>
-                  <a:satOff val="0"/>
-                  <a:lumOff val="0"/>
-                  <a:alphaOff val="0"/>
-                </a:schemeClr>
-              </a:lnRef>
-              <a:fillRef idx="1">
-                <a:schemeClr val="accent1">
-                  <a:tint val="60000"/>
-                  <a:hueOff val="0"/>
-                  <a:satOff val="0"/>
-                  <a:lumOff val="0"/>
-                  <a:alphaOff val="0"/>
-                </a:schemeClr>
-              </a:fillRef>
-              <a:effectRef idx="0">
-                <a:schemeClr val="accent1">
-                  <a:tint val="60000"/>
-                  <a:hueOff val="0"/>
-                  <a:satOff val="0"/>
-                  <a:lumOff val="0"/>
-                  <a:alphaOff val="0"/>
-                </a:schemeClr>
-              </a:effectRef>
-              <a:fontRef idx="minor">
-                <a:schemeClr val="lt1"/>
-              </a:fontRef>
-            </p:style>
-          </p:sp>
-          <p:sp>
-            <p:nvSpPr>
-              <p:cNvPr id="41" name="Right Arrow 4"/>
-              <p:cNvSpPr/>
-              <p:nvPr/>
-            </p:nvSpPr>
-            <p:spPr>
-              <a:xfrm>
-                <a:off x="1450338" y="1298231"/>
-                <a:ext cx="229246" cy="229864"/>
-              </a:xfrm>
-              <a:prstGeom prst="rect">
-                <a:avLst/>
-              </a:prstGeom>
-            </p:spPr>
-            <p:style>
-              <a:lnRef idx="0">
-                <a:scrgbClr r="0" g="0" b="0"/>
-              </a:lnRef>
-              <a:fillRef idx="0">
-                <a:scrgbClr r="0" g="0" b="0"/>
-              </a:fillRef>
-              <a:effectRef idx="0">
-                <a:scrgbClr r="0" g="0" b="0"/>
-              </a:effectRef>
-              <a:fontRef idx="minor">
-                <a:schemeClr val="lt1"/>
-              </a:fontRef>
-            </p:style>
-            <p:txBody>
-              <a:bodyPr spcFirstLastPara="0" vert="horz" wrap="square" lIns="0" tIns="0" rIns="0" bIns="0" numCol="1" spcCol="1270" anchor="ctr" anchorCtr="0">
-                <a:noAutofit/>
-              </a:bodyPr>
-              <a:lstStyle/>
-              <a:p>
-                <a:pPr lvl="0" algn="ctr" defTabSz="488950">
-                  <a:lnSpc>
-                    <a:spcPct val="90000"/>
-                  </a:lnSpc>
-                  <a:spcBef>
-                    <a:spcPct val="0"/>
-                  </a:spcBef>
-                  <a:spcAft>
-                    <a:spcPct val="35000"/>
-                  </a:spcAft>
-                </a:pPr>
-                <a:endParaRPr lang="en-US" sz="1100" kern="1200" dirty="0"/>
-              </a:p>
-            </p:txBody>
-          </p:sp>
-        </p:grpSp>
-        <p:sp>
-          <p:nvSpPr>
-            <p:cNvPr id="39" name="Oval 4"/>
-            <p:cNvSpPr/>
-            <p:nvPr/>
-          </p:nvSpPr>
-          <p:spPr>
-            <a:xfrm>
-              <a:off x="8553203" y="3654036"/>
-              <a:ext cx="936692" cy="936692"/>
-            </a:xfrm>
-            <a:prstGeom prst="rect">
-              <a:avLst/>
-            </a:prstGeom>
-          </p:spPr>
-          <p:style>
-            <a:lnRef idx="0">
-              <a:scrgbClr r="0" g="0" b="0"/>
-            </a:lnRef>
-            <a:fillRef idx="0">
-              <a:scrgbClr r="0" g="0" b="0"/>
-            </a:fillRef>
-            <a:effectRef idx="0">
-              <a:scrgbClr r="0" g="0" b="0"/>
-            </a:effectRef>
-            <a:fontRef idx="minor">
-              <a:schemeClr val="lt1"/>
-            </a:fontRef>
-          </p:style>
-          <p:txBody>
-            <a:bodyPr spcFirstLastPara="0" vert="horz" wrap="square" lIns="50800" tIns="50800" rIns="50800" bIns="50800" numCol="1" spcCol="1270" anchor="ctr" anchorCtr="0">
-              <a:noAutofit/>
-            </a:bodyPr>
-            <a:lstStyle/>
-            <a:p>
-              <a:pPr lvl="0" algn="ctr" defTabSz="1778000">
-                <a:lnSpc>
-                  <a:spcPct val="90000"/>
-                </a:lnSpc>
-                <a:spcBef>
-                  <a:spcPct val="0"/>
-                </a:spcBef>
-                <a:spcAft>
-                  <a:spcPct val="35000"/>
-                </a:spcAft>
-              </a:pPr>
-              <a:r>
-                <a:rPr lang="en-US" sz="1400" dirty="0" smtClean="0"/>
-                <a:t>2D Covariance Matrix</a:t>
-              </a:r>
-              <a:endParaRPr lang="en-US" sz="1400" kern="1200" dirty="0" smtClean="0"/>
-            </a:p>
-          </p:txBody>
-        </p:sp>
-        <p:sp>
-          <p:nvSpPr>
-            <p:cNvPr id="37" name="Right Arrow 4"/>
-            <p:cNvSpPr/>
-            <p:nvPr/>
-          </p:nvSpPr>
-          <p:spPr>
-            <a:xfrm>
-              <a:off x="9875977" y="4035087"/>
-              <a:ext cx="229246" cy="229864"/>
-            </a:xfrm>
-            <a:prstGeom prst="rect">
-              <a:avLst/>
-            </a:prstGeom>
-          </p:spPr>
-          <p:style>
-            <a:lnRef idx="0">
-              <a:scrgbClr r="0" g="0" b="0"/>
-            </a:lnRef>
-            <a:fillRef idx="0">
-              <a:scrgbClr r="0" g="0" b="0"/>
-            </a:fillRef>
-            <a:effectRef idx="0">
-              <a:scrgbClr r="0" g="0" b="0"/>
-            </a:effectRef>
-            <a:fontRef idx="minor">
-              <a:schemeClr val="lt1"/>
-            </a:fontRef>
-          </p:style>
-          <p:txBody>
-            <a:bodyPr spcFirstLastPara="0" vert="horz" wrap="square" lIns="0" tIns="0" rIns="0" bIns="0" numCol="1" spcCol="1270" anchor="ctr" anchorCtr="0">
-              <a:noAutofit/>
-            </a:bodyPr>
-            <a:lstStyle/>
-            <a:p>
-              <a:pPr lvl="0" algn="ctr" defTabSz="488950">
-                <a:lnSpc>
-                  <a:spcPct val="90000"/>
-                </a:lnSpc>
-                <a:spcBef>
-                  <a:spcPct val="0"/>
-                </a:spcBef>
-                <a:spcAft>
-                  <a:spcPct val="35000"/>
-                </a:spcAft>
-              </a:pPr>
-              <a:endParaRPr lang="en-US" sz="1100" kern="1200" dirty="0"/>
-            </a:p>
-          </p:txBody>
-        </p:sp>
-      </p:grpSp>
-      <p:grpSp>
-        <p:nvGrpSpPr>
-          <p:cNvPr id="45" name="Group 44"/>
-          <p:cNvGrpSpPr/>
-          <p:nvPr/>
-        </p:nvGrpSpPr>
-        <p:grpSpPr>
-          <a:xfrm>
-            <a:off x="-2571639" y="3849875"/>
-            <a:ext cx="13607380" cy="1026858"/>
-            <a:chOff x="-3650358" y="1783675"/>
-            <a:chExt cx="13607380" cy="1026858"/>
-          </a:xfrm>
-        </p:grpSpPr>
-        <p:pic>
-          <p:nvPicPr>
-            <p:cNvPr id="43" name="Picture 42"/>
-            <p:cNvPicPr>
-              <a:picLocks noChangeAspect="1"/>
-            </p:cNvPicPr>
-            <p:nvPr/>
-          </p:nvPicPr>
-          <p:blipFill>
-            <a:blip r:embed="rId4"/>
-            <a:stretch>
-              <a:fillRect/>
-            </a:stretch>
-          </p:blipFill>
-          <p:spPr>
-            <a:xfrm>
-              <a:off x="-3650358" y="1783675"/>
-              <a:ext cx="13607380" cy="637314"/>
-            </a:xfrm>
-            <a:prstGeom prst="rect">
-              <a:avLst/>
-            </a:prstGeom>
-          </p:spPr>
-        </p:pic>
-        <p:sp>
-          <p:nvSpPr>
-            <p:cNvPr id="44" name="TextBox 43"/>
-            <p:cNvSpPr txBox="1"/>
-            <p:nvPr/>
-          </p:nvSpPr>
-          <p:spPr>
-            <a:xfrm>
-              <a:off x="2319866" y="2164202"/>
-              <a:ext cx="1666931" cy="646331"/>
-            </a:xfrm>
-            <a:prstGeom prst="rect">
-              <a:avLst/>
-            </a:prstGeom>
-            <a:noFill/>
-          </p:spPr>
-          <p:txBody>
-            <a:bodyPr wrap="square" rtlCol="0">
-              <a:spAutoFit/>
-            </a:bodyPr>
-            <a:lstStyle/>
-            <a:p>
-              <a:pPr algn="ctr"/>
-              <a:r>
-                <a:rPr lang="en-US" dirty="0" smtClean="0"/>
-                <a:t>2D Covariance Matrix</a:t>
-              </a:r>
-              <a:endParaRPr lang="en-US" dirty="0"/>
-            </a:p>
-          </p:txBody>
-        </p:sp>
-      </p:grpSp>
-      <p:grpSp>
-        <p:nvGrpSpPr>
-          <p:cNvPr id="34" name="Group 33"/>
-          <p:cNvGrpSpPr/>
-          <p:nvPr/>
-        </p:nvGrpSpPr>
-        <p:grpSpPr>
-          <a:xfrm>
-            <a:off x="5190594" y="3386620"/>
-            <a:ext cx="2265595" cy="1324683"/>
-            <a:chOff x="7937876" y="3460041"/>
-            <a:chExt cx="2265595" cy="1324683"/>
-          </a:xfrm>
-        </p:grpSpPr>
-        <p:grpSp>
-          <p:nvGrpSpPr>
-            <p:cNvPr id="35" name="Group 34"/>
-            <p:cNvGrpSpPr/>
-            <p:nvPr/>
-          </p:nvGrpSpPr>
-          <p:grpSpPr>
-            <a:xfrm>
-              <a:off x="7937876" y="3958466"/>
-              <a:ext cx="327494" cy="383106"/>
-              <a:chOff x="1450338" y="1221610"/>
-              <a:chExt cx="327494" cy="383106"/>
-            </a:xfrm>
-          </p:grpSpPr>
-          <p:sp>
-            <p:nvSpPr>
-              <p:cNvPr id="50" name="Right Arrow 49"/>
-              <p:cNvSpPr/>
-              <p:nvPr/>
-            </p:nvSpPr>
-            <p:spPr>
-              <a:xfrm>
-                <a:off x="1450338" y="1221610"/>
-                <a:ext cx="327494" cy="383106"/>
-              </a:xfrm>
-              <a:prstGeom prst="rightArrow">
-                <a:avLst>
-                  <a:gd name="adj1" fmla="val 60000"/>
-                  <a:gd name="adj2" fmla="val 50000"/>
-                </a:avLst>
-              </a:prstGeom>
-            </p:spPr>
-            <p:style>
-              <a:lnRef idx="0">
-                <a:schemeClr val="accent1">
-                  <a:tint val="60000"/>
-                  <a:hueOff val="0"/>
-                  <a:satOff val="0"/>
-                  <a:lumOff val="0"/>
-                  <a:alphaOff val="0"/>
-                </a:schemeClr>
-              </a:lnRef>
-              <a:fillRef idx="1">
-                <a:schemeClr val="accent1">
-                  <a:tint val="60000"/>
-                  <a:hueOff val="0"/>
-                  <a:satOff val="0"/>
-                  <a:lumOff val="0"/>
-                  <a:alphaOff val="0"/>
-                </a:schemeClr>
-              </a:fillRef>
-              <a:effectRef idx="0">
-                <a:schemeClr val="accent1">
-                  <a:tint val="60000"/>
-                  <a:hueOff val="0"/>
-                  <a:satOff val="0"/>
-                  <a:lumOff val="0"/>
-                  <a:alphaOff val="0"/>
-                </a:schemeClr>
-              </a:effectRef>
-              <a:fontRef idx="minor">
-                <a:schemeClr val="lt1"/>
-              </a:fontRef>
-            </p:style>
-          </p:sp>
-          <p:sp>
-            <p:nvSpPr>
-              <p:cNvPr id="51" name="Right Arrow 4"/>
-              <p:cNvSpPr/>
-              <p:nvPr/>
-            </p:nvSpPr>
-            <p:spPr>
-              <a:xfrm>
-                <a:off x="1450338" y="1298231"/>
-                <a:ext cx="229246" cy="229864"/>
-              </a:xfrm>
-              <a:prstGeom prst="rect">
-                <a:avLst/>
-              </a:prstGeom>
-            </p:spPr>
-            <p:style>
-              <a:lnRef idx="0">
-                <a:scrgbClr r="0" g="0" b="0"/>
-              </a:lnRef>
-              <a:fillRef idx="0">
-                <a:scrgbClr r="0" g="0" b="0"/>
-              </a:fillRef>
-              <a:effectRef idx="0">
-                <a:scrgbClr r="0" g="0" b="0"/>
-              </a:effectRef>
-              <a:fontRef idx="minor">
-                <a:schemeClr val="lt1"/>
-              </a:fontRef>
-            </p:style>
-            <p:txBody>
-              <a:bodyPr spcFirstLastPara="0" vert="horz" wrap="square" lIns="0" tIns="0" rIns="0" bIns="0" numCol="1" spcCol="1270" anchor="ctr" anchorCtr="0">
-                <a:noAutofit/>
-              </a:bodyPr>
-              <a:lstStyle/>
-              <a:p>
-                <a:pPr lvl="0" algn="ctr" defTabSz="488950">
-                  <a:lnSpc>
-                    <a:spcPct val="90000"/>
-                  </a:lnSpc>
-                  <a:spcBef>
-                    <a:spcPct val="0"/>
-                  </a:spcBef>
-                  <a:spcAft>
-                    <a:spcPct val="35000"/>
-                  </a:spcAft>
-                </a:pPr>
-                <a:endParaRPr lang="en-US" sz="1100" kern="1200" dirty="0"/>
-              </a:p>
-            </p:txBody>
-          </p:sp>
-        </p:grpSp>
-        <p:grpSp>
-          <p:nvGrpSpPr>
-            <p:cNvPr id="36" name="Group 35"/>
-            <p:cNvGrpSpPr>
-              <a:grpSpLocks noChangeAspect="1"/>
-            </p:cNvGrpSpPr>
-            <p:nvPr/>
-          </p:nvGrpSpPr>
-          <p:grpSpPr>
-            <a:xfrm>
-              <a:off x="8359208" y="3460041"/>
-              <a:ext cx="1324683" cy="1324683"/>
-              <a:chOff x="1913774" y="383307"/>
-              <a:chExt cx="2059713" cy="2059713"/>
-            </a:xfrm>
-          </p:grpSpPr>
-          <p:sp>
-            <p:nvSpPr>
-              <p:cNvPr id="48" name="Oval 47"/>
-              <p:cNvSpPr/>
-              <p:nvPr/>
-            </p:nvSpPr>
-            <p:spPr>
-              <a:xfrm>
-                <a:off x="1913774" y="383307"/>
-                <a:ext cx="2059713" cy="2059713"/>
-              </a:xfrm>
-              <a:prstGeom prst="ellipse">
-                <a:avLst/>
-              </a:prstGeom>
-            </p:spPr>
-            <p:style>
-              <a:lnRef idx="2">
-                <a:schemeClr val="lt1">
-                  <a:hueOff val="0"/>
-                  <a:satOff val="0"/>
-                  <a:lumOff val="0"/>
-                  <a:alphaOff val="0"/>
-                </a:schemeClr>
-              </a:lnRef>
-              <a:fillRef idx="1">
-                <a:schemeClr val="accent1">
-                  <a:hueOff val="0"/>
-                  <a:satOff val="0"/>
-                  <a:lumOff val="0"/>
-                  <a:alphaOff val="0"/>
-                </a:schemeClr>
-              </a:fillRef>
-              <a:effectRef idx="0">
-                <a:schemeClr val="accent1">
-                  <a:hueOff val="0"/>
-                  <a:satOff val="0"/>
-                  <a:lumOff val="0"/>
-                  <a:alphaOff val="0"/>
-                </a:schemeClr>
-              </a:effectRef>
-              <a:fontRef idx="minor">
-                <a:schemeClr val="lt1"/>
-              </a:fontRef>
-            </p:style>
-          </p:sp>
-          <p:sp>
-            <p:nvSpPr>
-              <p:cNvPr id="49" name="Oval 4"/>
-              <p:cNvSpPr/>
-              <p:nvPr/>
-            </p:nvSpPr>
-            <p:spPr>
-              <a:xfrm>
-                <a:off x="2215412" y="684945"/>
-                <a:ext cx="1456437" cy="1456437"/>
-              </a:xfrm>
-              <a:prstGeom prst="rect">
-                <a:avLst/>
-              </a:prstGeom>
-            </p:spPr>
-            <p:style>
-              <a:lnRef idx="0">
-                <a:scrgbClr r="0" g="0" b="0"/>
-              </a:lnRef>
-              <a:fillRef idx="0">
-                <a:scrgbClr r="0" g="0" b="0"/>
-              </a:fillRef>
-              <a:effectRef idx="0">
-                <a:scrgbClr r="0" g="0" b="0"/>
-              </a:effectRef>
-              <a:fontRef idx="minor">
-                <a:schemeClr val="lt1"/>
-              </a:fontRef>
-            </p:style>
-            <p:txBody>
-              <a:bodyPr spcFirstLastPara="0" vert="horz" wrap="square" lIns="50800" tIns="50800" rIns="50800" bIns="50800" numCol="1" spcCol="1270" anchor="ctr" anchorCtr="0">
-                <a:noAutofit/>
-              </a:bodyPr>
-              <a:lstStyle/>
-              <a:p>
-                <a:pPr lvl="0" algn="ctr" defTabSz="1778000">
-                  <a:lnSpc>
-                    <a:spcPct val="90000"/>
-                  </a:lnSpc>
-                  <a:spcBef>
-                    <a:spcPct val="0"/>
-                  </a:spcBef>
-                  <a:spcAft>
-                    <a:spcPct val="35000"/>
-                  </a:spcAft>
-                </a:pPr>
-                <a:r>
-                  <a:rPr lang="en-US" sz="1600" dirty="0" smtClean="0"/>
-                  <a:t>6-Way Reference Heuristic</a:t>
-                </a:r>
-              </a:p>
-            </p:txBody>
-          </p:sp>
-        </p:grpSp>
-        <p:grpSp>
-          <p:nvGrpSpPr>
-            <p:cNvPr id="38" name="Group 37"/>
-            <p:cNvGrpSpPr/>
-            <p:nvPr/>
-          </p:nvGrpSpPr>
-          <p:grpSpPr>
-            <a:xfrm>
-              <a:off x="9875977" y="3958466"/>
-              <a:ext cx="327494" cy="383106"/>
-              <a:chOff x="1450338" y="1221610"/>
-              <a:chExt cx="327494" cy="383106"/>
-            </a:xfrm>
-          </p:grpSpPr>
-          <p:sp>
-            <p:nvSpPr>
-              <p:cNvPr id="42" name="Right Arrow 41"/>
-              <p:cNvSpPr/>
-              <p:nvPr/>
-            </p:nvSpPr>
-            <p:spPr>
-              <a:xfrm>
-                <a:off x="1450338" y="1221610"/>
-                <a:ext cx="327494" cy="383106"/>
-              </a:xfrm>
-              <a:prstGeom prst="rightArrow">
-                <a:avLst>
-                  <a:gd name="adj1" fmla="val 60000"/>
-                  <a:gd name="adj2" fmla="val 50000"/>
-                </a:avLst>
-              </a:prstGeom>
-            </p:spPr>
-            <p:style>
-              <a:lnRef idx="0">
-                <a:schemeClr val="accent1">
-                  <a:tint val="60000"/>
-                  <a:hueOff val="0"/>
-                  <a:satOff val="0"/>
-                  <a:lumOff val="0"/>
-                  <a:alphaOff val="0"/>
-                </a:schemeClr>
-              </a:lnRef>
-              <a:fillRef idx="1">
-                <a:schemeClr val="accent1">
-                  <a:tint val="60000"/>
-                  <a:hueOff val="0"/>
-                  <a:satOff val="0"/>
-                  <a:lumOff val="0"/>
-                  <a:alphaOff val="0"/>
-                </a:schemeClr>
-              </a:fillRef>
-              <a:effectRef idx="0">
-                <a:schemeClr val="accent1">
-                  <a:tint val="60000"/>
-                  <a:hueOff val="0"/>
-                  <a:satOff val="0"/>
-                  <a:lumOff val="0"/>
-                  <a:alphaOff val="0"/>
-                </a:schemeClr>
-              </a:effectRef>
-              <a:fontRef idx="minor">
-                <a:schemeClr val="lt1"/>
-              </a:fontRef>
-            </p:style>
-          </p:sp>
-          <p:sp>
-            <p:nvSpPr>
-              <p:cNvPr id="47" name="Right Arrow 4"/>
-              <p:cNvSpPr/>
-              <p:nvPr/>
-            </p:nvSpPr>
-            <p:spPr>
-              <a:xfrm>
-                <a:off x="1450338" y="1298231"/>
-                <a:ext cx="229246" cy="229864"/>
-              </a:xfrm>
-              <a:prstGeom prst="rect">
-                <a:avLst/>
-              </a:prstGeom>
-            </p:spPr>
-            <p:style>
-              <a:lnRef idx="0">
-                <a:scrgbClr r="0" g="0" b="0"/>
-              </a:lnRef>
-              <a:fillRef idx="0">
-                <a:scrgbClr r="0" g="0" b="0"/>
-              </a:fillRef>
-              <a:effectRef idx="0">
-                <a:scrgbClr r="0" g="0" b="0"/>
-              </a:effectRef>
-              <a:fontRef idx="minor">
-                <a:schemeClr val="lt1"/>
-              </a:fontRef>
-            </p:style>
-            <p:txBody>
-              <a:bodyPr spcFirstLastPara="0" vert="horz" wrap="square" lIns="0" tIns="0" rIns="0" bIns="0" numCol="1" spcCol="1270" anchor="ctr" anchorCtr="0">
-                <a:noAutofit/>
-              </a:bodyPr>
-              <a:lstStyle/>
-              <a:p>
-                <a:pPr lvl="0" algn="ctr" defTabSz="488950">
-                  <a:lnSpc>
-                    <a:spcPct val="90000"/>
-                  </a:lnSpc>
-                  <a:spcBef>
-                    <a:spcPct val="0"/>
-                  </a:spcBef>
-                  <a:spcAft>
-                    <a:spcPct val="35000"/>
-                  </a:spcAft>
-                </a:pPr>
-                <a:endParaRPr lang="en-US" sz="1100" kern="1200" dirty="0"/>
-              </a:p>
-            </p:txBody>
-          </p:sp>
+            </p:grpSpPr>
+            <p:sp>
+              <p:nvSpPr>
+                <p:cNvPr id="42" name="Right Arrow 41"/>
+                <p:cNvSpPr/>
+                <p:nvPr/>
+              </p:nvSpPr>
+              <p:spPr>
+                <a:xfrm>
+                  <a:off x="1450338" y="1221610"/>
+                  <a:ext cx="327494" cy="383106"/>
+                </a:xfrm>
+                <a:prstGeom prst="rightArrow">
+                  <a:avLst>
+                    <a:gd name="adj1" fmla="val 60000"/>
+                    <a:gd name="adj2" fmla="val 50000"/>
+                  </a:avLst>
+                </a:prstGeom>
+              </p:spPr>
+              <p:style>
+                <a:lnRef idx="0">
+                  <a:schemeClr val="accent1">
+                    <a:tint val="60000"/>
+                    <a:hueOff val="0"/>
+                    <a:satOff val="0"/>
+                    <a:lumOff val="0"/>
+                    <a:alphaOff val="0"/>
+                  </a:schemeClr>
+                </a:lnRef>
+                <a:fillRef idx="1">
+                  <a:schemeClr val="accent1">
+                    <a:tint val="60000"/>
+                    <a:hueOff val="0"/>
+                    <a:satOff val="0"/>
+                    <a:lumOff val="0"/>
+                    <a:alphaOff val="0"/>
+                  </a:schemeClr>
+                </a:fillRef>
+                <a:effectRef idx="0">
+                  <a:schemeClr val="accent1">
+                    <a:tint val="60000"/>
+                    <a:hueOff val="0"/>
+                    <a:satOff val="0"/>
+                    <a:lumOff val="0"/>
+                    <a:alphaOff val="0"/>
+                  </a:schemeClr>
+                </a:effectRef>
+                <a:fontRef idx="minor">
+                  <a:schemeClr val="lt1"/>
+                </a:fontRef>
+              </p:style>
+            </p:sp>
+            <p:sp>
+              <p:nvSpPr>
+                <p:cNvPr id="47" name="Right Arrow 4"/>
+                <p:cNvSpPr/>
+                <p:nvPr/>
+              </p:nvSpPr>
+              <p:spPr>
+                <a:xfrm>
+                  <a:off x="1450338" y="1298231"/>
+                  <a:ext cx="229246" cy="229864"/>
+                </a:xfrm>
+                <a:prstGeom prst="rect">
+                  <a:avLst/>
+                </a:prstGeom>
+              </p:spPr>
+              <p:style>
+                <a:lnRef idx="0">
+                  <a:scrgbClr r="0" g="0" b="0"/>
+                </a:lnRef>
+                <a:fillRef idx="0">
+                  <a:scrgbClr r="0" g="0" b="0"/>
+                </a:fillRef>
+                <a:effectRef idx="0">
+                  <a:scrgbClr r="0" g="0" b="0"/>
+                </a:effectRef>
+                <a:fontRef idx="minor">
+                  <a:schemeClr val="lt1"/>
+                </a:fontRef>
+              </p:style>
+              <p:txBody>
+                <a:bodyPr spcFirstLastPara="0" vert="horz" wrap="square" lIns="0" tIns="0" rIns="0" bIns="0" numCol="1" spcCol="1270" anchor="ctr" anchorCtr="0">
+                  <a:noAutofit/>
+                </a:bodyPr>
+                <a:lstStyle/>
+                <a:p>
+                  <a:pPr lvl="0" algn="ctr" defTabSz="488950">
+                    <a:lnSpc>
+                      <a:spcPct val="90000"/>
+                    </a:lnSpc>
+                    <a:spcBef>
+                      <a:spcPct val="0"/>
+                    </a:spcBef>
+                    <a:spcAft>
+                      <a:spcPct val="35000"/>
+                    </a:spcAft>
+                  </a:pPr>
+                  <a:endParaRPr lang="en-US" sz="1100" kern="1200" dirty="0"/>
+                </a:p>
+              </p:txBody>
+            </p:sp>
+          </p:grpSp>
         </p:grpSp>
       </p:grpSp>
     </p:spTree>
